--- a/design/schema.pptx
+++ b/design/schema.pptx
@@ -6,7 +6,7 @@
   </p:sldMasterIdLst>
   <p:sldIdLst>
     <p:sldId id="257" r:id="rId2"/>
-    <p:sldId id="258" r:id="rId3"/>
+    <p:sldId id="259" r:id="rId3"/>
   </p:sldIdLst>
   <p:sldSz cx="12192000" cy="6858000"/>
   <p:notesSz cx="6858000" cy="9144000"/>
@@ -242,7 +242,7 @@
           <a:p>
             <a:fld id="{2DECF279-F1D6-4C73-9B94-25CACD0A723E}" type="datetimeFigureOut">
               <a:rPr lang="fr-FR" smtClean="0"/>
-              <a:t>27/12/2018</a:t>
+              <a:t>25/01/2019</a:t>
             </a:fld>
             <a:endParaRPr lang="fr-FR"/>
           </a:p>
@@ -410,7 +410,7 @@
           <a:p>
             <a:fld id="{2DECF279-F1D6-4C73-9B94-25CACD0A723E}" type="datetimeFigureOut">
               <a:rPr lang="fr-FR" smtClean="0"/>
-              <a:t>27/12/2018</a:t>
+              <a:t>25/01/2019</a:t>
             </a:fld>
             <a:endParaRPr lang="fr-FR"/>
           </a:p>
@@ -588,7 +588,7 @@
           <a:p>
             <a:fld id="{2DECF279-F1D6-4C73-9B94-25CACD0A723E}" type="datetimeFigureOut">
               <a:rPr lang="fr-FR" smtClean="0"/>
-              <a:t>27/12/2018</a:t>
+              <a:t>25/01/2019</a:t>
             </a:fld>
             <a:endParaRPr lang="fr-FR"/>
           </a:p>
@@ -756,7 +756,7 @@
           <a:p>
             <a:fld id="{2DECF279-F1D6-4C73-9B94-25CACD0A723E}" type="datetimeFigureOut">
               <a:rPr lang="fr-FR" smtClean="0"/>
-              <a:t>27/12/2018</a:t>
+              <a:t>25/01/2019</a:t>
             </a:fld>
             <a:endParaRPr lang="fr-FR"/>
           </a:p>
@@ -1001,7 +1001,7 @@
           <a:p>
             <a:fld id="{2DECF279-F1D6-4C73-9B94-25CACD0A723E}" type="datetimeFigureOut">
               <a:rPr lang="fr-FR" smtClean="0"/>
-              <a:t>27/12/2018</a:t>
+              <a:t>25/01/2019</a:t>
             </a:fld>
             <a:endParaRPr lang="fr-FR"/>
           </a:p>
@@ -1230,7 +1230,7 @@
           <a:p>
             <a:fld id="{2DECF279-F1D6-4C73-9B94-25CACD0A723E}" type="datetimeFigureOut">
               <a:rPr lang="fr-FR" smtClean="0"/>
-              <a:t>27/12/2018</a:t>
+              <a:t>25/01/2019</a:t>
             </a:fld>
             <a:endParaRPr lang="fr-FR"/>
           </a:p>
@@ -1594,7 +1594,7 @@
           <a:p>
             <a:fld id="{2DECF279-F1D6-4C73-9B94-25CACD0A723E}" type="datetimeFigureOut">
               <a:rPr lang="fr-FR" smtClean="0"/>
-              <a:t>27/12/2018</a:t>
+              <a:t>25/01/2019</a:t>
             </a:fld>
             <a:endParaRPr lang="fr-FR"/>
           </a:p>
@@ -1711,7 +1711,7 @@
           <a:p>
             <a:fld id="{2DECF279-F1D6-4C73-9B94-25CACD0A723E}" type="datetimeFigureOut">
               <a:rPr lang="fr-FR" smtClean="0"/>
-              <a:t>27/12/2018</a:t>
+              <a:t>25/01/2019</a:t>
             </a:fld>
             <a:endParaRPr lang="fr-FR"/>
           </a:p>
@@ -1806,7 +1806,7 @@
           <a:p>
             <a:fld id="{2DECF279-F1D6-4C73-9B94-25CACD0A723E}" type="datetimeFigureOut">
               <a:rPr lang="fr-FR" smtClean="0"/>
-              <a:t>27/12/2018</a:t>
+              <a:t>25/01/2019</a:t>
             </a:fld>
             <a:endParaRPr lang="fr-FR"/>
           </a:p>
@@ -2081,7 +2081,7 @@
           <a:p>
             <a:fld id="{2DECF279-F1D6-4C73-9B94-25CACD0A723E}" type="datetimeFigureOut">
               <a:rPr lang="fr-FR" smtClean="0"/>
-              <a:t>27/12/2018</a:t>
+              <a:t>25/01/2019</a:t>
             </a:fld>
             <a:endParaRPr lang="fr-FR"/>
           </a:p>
@@ -2333,7 +2333,7 @@
           <a:p>
             <a:fld id="{2DECF279-F1D6-4C73-9B94-25CACD0A723E}" type="datetimeFigureOut">
               <a:rPr lang="fr-FR" smtClean="0"/>
-              <a:t>27/12/2018</a:t>
+              <a:t>25/01/2019</a:t>
             </a:fld>
             <a:endParaRPr lang="fr-FR"/>
           </a:p>
@@ -2544,7 +2544,7 @@
           <a:p>
             <a:fld id="{2DECF279-F1D6-4C73-9B94-25CACD0A723E}" type="datetimeFigureOut">
               <a:rPr lang="fr-FR" smtClean="0"/>
-              <a:t>27/12/2018</a:t>
+              <a:t>25/01/2019</a:t>
             </a:fld>
             <a:endParaRPr lang="fr-FR"/>
           </a:p>
@@ -3864,7 +3864,7 @@
                 <a:buChar char="-"/>
               </a:pPr>
               <a:r>
-                <a:rPr lang="fr-FR" sz="1600" dirty="0" err="1"/>
+                <a:rPr lang="fr-FR" sz="1600" dirty="0" err="1" smtClean="0"/>
                 <a:t>TypeName</a:t>
               </a:r>
               <a:endParaRPr lang="fr-FR" sz="1600" dirty="0"/>
@@ -3875,10 +3875,10 @@
                 <a:buChar char="-"/>
               </a:pPr>
               <a:r>
-                <a:rPr lang="fr-FR" sz="1600" dirty="0" err="1"/>
+                <a:rPr lang="fr-FR" sz="1600" dirty="0" err="1" smtClean="0"/>
                 <a:t>InstanceID</a:t>
               </a:r>
-              <a:endParaRPr lang="fr-FR" sz="1600" dirty="0"/>
+              <a:endParaRPr lang="fr-FR" sz="1600" dirty="0" smtClean="0"/>
             </a:p>
             <a:p>
               <a:pPr marL="285750" indent="-285750">
@@ -3886,9 +3886,10 @@
                 <a:buChar char="-"/>
               </a:pPr>
               <a:r>
-                <a:rPr lang="fr-FR" sz="1600" dirty="0"/>
+                <a:rPr lang="fr-FR" sz="1600" dirty="0" smtClean="0"/>
                 <a:t>IP</a:t>
               </a:r>
+              <a:endParaRPr lang="fr-FR" sz="1600" dirty="0"/>
             </a:p>
             <a:p>
               <a:pPr marL="285750" indent="-285750">
@@ -4203,7 +4204,7 @@
                 <a:buChar char="-"/>
               </a:pPr>
               <a:r>
-                <a:rPr lang="fr-FR" sz="1600" dirty="0" err="1"/>
+                <a:rPr lang="fr-FR" sz="1600" dirty="0" err="1" smtClean="0"/>
                 <a:t>TypeName</a:t>
               </a:r>
               <a:endParaRPr lang="fr-FR" sz="1600" dirty="0"/>
@@ -4327,10 +4328,10 @@
                 <a:buChar char="-"/>
               </a:pPr>
               <a:r>
-                <a:rPr lang="fr-FR" sz="1600" dirty="0" err="1"/>
+                <a:rPr lang="fr-FR" sz="1600" dirty="0" err="1" smtClean="0"/>
                 <a:t>TypeName</a:t>
               </a:r>
-              <a:endParaRPr lang="fr-FR" sz="1600" dirty="0"/>
+              <a:endParaRPr lang="fr-FR" sz="1600" dirty="0" smtClean="0"/>
             </a:p>
             <a:p>
               <a:pPr marL="285750" indent="-285750">
@@ -4338,7 +4339,7 @@
                 <a:buChar char="-"/>
               </a:pPr>
               <a:r>
-                <a:rPr lang="fr-FR" sz="1600" dirty="0" err="1"/>
+                <a:rPr lang="fr-FR" sz="1600" dirty="0" err="1" smtClean="0"/>
                 <a:t>InstanceID</a:t>
               </a:r>
               <a:endParaRPr lang="fr-FR" sz="1600" dirty="0"/>
@@ -4664,7 +4665,7 @@
           <p:cNvPr id="46" name="Connecteur en arc 32">
             <a:extLst>
               <a:ext uri="{FF2B5EF4-FFF2-40B4-BE49-F238E27FC236}">
-                <a16:creationId xmlns:a16="http://schemas.microsoft.com/office/drawing/2014/main" id="{33A0F983-A334-4B0C-A864-2EB85A21ACEE}"/>
+                <a16:creationId xmlns:a16="http://schemas.microsoft.com/office/drawing/2014/main" xmlns="" id="{33A0F983-A334-4B0C-A864-2EB85A21ACEE}"/>
               </a:ext>
             </a:extLst>
           </p:cNvPr>
@@ -4728,9 +4729,10 @@
           <a:lstStyle/>
           <a:p>
             <a:r>
-              <a:rPr lang="fr-FR" dirty="0"/>
+              <a:rPr lang="fr-FR" dirty="0" smtClean="0"/>
               <a:t>ServiceQuality ?</a:t>
             </a:r>
+            <a:endParaRPr lang="fr-FR" dirty="0"/>
           </a:p>
         </p:txBody>
       </p:sp>
@@ -4764,661 +4766,421 @@
           <a:chExt cx="0" cy="0"/>
         </a:xfrm>
       </p:grpSpPr>
-      <p:grpSp>
-        <p:nvGrpSpPr>
-          <p:cNvPr id="6" name="Groupe 5">
-            <a:extLst>
-              <a:ext uri="{FF2B5EF4-FFF2-40B4-BE49-F238E27FC236}">
-                <a16:creationId xmlns:a16="http://schemas.microsoft.com/office/drawing/2014/main" id="{EA0B48D9-9833-4382-A645-DBD44A651835}"/>
-              </a:ext>
-            </a:extLst>
-          </p:cNvPr>
-          <p:cNvGrpSpPr/>
-          <p:nvPr/>
-        </p:nvGrpSpPr>
-        <p:grpSpPr>
-          <a:xfrm>
-            <a:off x="862544" y="3608547"/>
-            <a:ext cx="2375552" cy="2062054"/>
-            <a:chOff x="1311865" y="688335"/>
-            <a:chExt cx="1977986" cy="2062054"/>
-          </a:xfrm>
-        </p:grpSpPr>
-        <p:sp>
-          <p:nvSpPr>
-            <p:cNvPr id="3" name="Organigramme : Processus 69">
-              <a:extLst>
-                <a:ext uri="{FF2B5EF4-FFF2-40B4-BE49-F238E27FC236}">
-                  <a16:creationId xmlns:a16="http://schemas.microsoft.com/office/drawing/2014/main" id="{9F9DE6FA-2439-469B-91C8-DDD8CC9ED1B5}"/>
-                </a:ext>
-              </a:extLst>
-            </p:cNvPr>
-            <p:cNvSpPr/>
-            <p:nvPr/>
-          </p:nvSpPr>
-          <p:spPr>
-            <a:xfrm>
-              <a:off x="1311866" y="1032413"/>
-              <a:ext cx="1977985" cy="1299286"/>
-            </a:xfrm>
-            <a:prstGeom prst="flowChartProcess">
-              <a:avLst/>
-            </a:prstGeom>
-            <a:ln w="19050">
+      <p:sp>
+        <p:nvSpPr>
+          <p:cNvPr id="2" name="Rectangle 1"/>
+          <p:cNvSpPr/>
+          <p:nvPr/>
+        </p:nvSpPr>
+        <p:spPr>
+          <a:xfrm>
+            <a:off x="5251063" y="3931348"/>
+            <a:ext cx="2125083" cy="1611517"/>
+          </a:xfrm>
+          <a:prstGeom prst="rect">
+            <a:avLst/>
+          </a:prstGeom>
+          <a:noFill/>
+          <a:ln w="19050"/>
+        </p:spPr>
+        <p:style>
+          <a:lnRef idx="2">
+            <a:schemeClr val="accent1">
+              <a:shade val="50000"/>
+            </a:schemeClr>
+          </a:lnRef>
+          <a:fillRef idx="1">
+            <a:schemeClr val="accent1"/>
+          </a:fillRef>
+          <a:effectRef idx="0">
+            <a:schemeClr val="accent1"/>
+          </a:effectRef>
+          <a:fontRef idx="minor">
+            <a:schemeClr val="lt1"/>
+          </a:fontRef>
+        </p:style>
+        <p:txBody>
+          <a:bodyPr rtlCol="0" anchor="ctr"/>
+          <a:lstStyle/>
+          <a:p>
+            <a:pPr algn="ctr"/>
+            <a:endParaRPr lang="fr-FR"/>
+          </a:p>
+        </p:txBody>
+      </p:sp>
+      <p:sp>
+        <p:nvSpPr>
+          <p:cNvPr id="3" name="ZoneTexte 2"/>
+          <p:cNvSpPr txBox="1"/>
+          <p:nvPr/>
+        </p:nvSpPr>
+        <p:spPr>
+          <a:xfrm>
+            <a:off x="5175985" y="5559045"/>
+            <a:ext cx="2227153" cy="369332"/>
+          </a:xfrm>
+          <a:prstGeom prst="rect">
+            <a:avLst/>
+          </a:prstGeom>
+          <a:noFill/>
+        </p:spPr>
+        <p:txBody>
+          <a:bodyPr wrap="square" rtlCol="0">
+            <a:spAutoFit/>
+          </a:bodyPr>
+          <a:lstStyle/>
+          <a:p>
+            <a:pPr algn="ctr"/>
+            <a:r>
+              <a:rPr lang="fr-FR" dirty="0" smtClean="0"/>
+              <a:t>S</a:t>
+            </a:r>
+            <a:r>
+              <a:rPr lang="fr-FR" dirty="0" smtClean="0"/>
+              <a:t>ervices </a:t>
+            </a:r>
+            <a:r>
+              <a:rPr lang="en-US" dirty="0" smtClean="0"/>
+              <a:t>registry</a:t>
+            </a:r>
+            <a:endParaRPr lang="en-US" dirty="0"/>
+          </a:p>
+        </p:txBody>
+      </p:sp>
+      <p:sp>
+        <p:nvSpPr>
+          <p:cNvPr id="4" name="Rectangle 3"/>
+          <p:cNvSpPr/>
+          <p:nvPr/>
+        </p:nvSpPr>
+        <p:spPr>
+          <a:xfrm>
+            <a:off x="5347212" y="4242182"/>
+            <a:ext cx="932508" cy="561294"/>
+          </a:xfrm>
+          <a:prstGeom prst="rect">
+            <a:avLst/>
+          </a:prstGeom>
+          <a:noFill/>
+          <a:ln w="19050">
+            <a:solidFill>
+              <a:schemeClr val="accent6"/>
+            </a:solidFill>
+          </a:ln>
+        </p:spPr>
+        <p:style>
+          <a:lnRef idx="2">
+            <a:schemeClr val="accent1">
+              <a:shade val="50000"/>
+            </a:schemeClr>
+          </a:lnRef>
+          <a:fillRef idx="1">
+            <a:schemeClr val="accent1"/>
+          </a:fillRef>
+          <a:effectRef idx="0">
+            <a:schemeClr val="accent1"/>
+          </a:effectRef>
+          <a:fontRef idx="minor">
+            <a:schemeClr val="lt1"/>
+          </a:fontRef>
+        </p:style>
+        <p:txBody>
+          <a:bodyPr rtlCol="0" anchor="ctr"/>
+          <a:lstStyle/>
+          <a:p>
+            <a:pPr algn="ctr"/>
+            <a:r>
+              <a:rPr lang="fr-FR" sz="1200" dirty="0">
+                <a:solidFill>
+                  <a:schemeClr val="tx1"/>
+                </a:solidFill>
+              </a:rPr>
+              <a:t>Auth1…</a:t>
+            </a:r>
+          </a:p>
+          <a:p>
+            <a:pPr algn="ctr"/>
+            <a:r>
+              <a:rPr lang="fr-FR" sz="1200" dirty="0">
+                <a:solidFill>
+                  <a:schemeClr val="tx1"/>
+                </a:solidFill>
+              </a:rPr>
+              <a:t>Auth2</a:t>
+            </a:r>
+            <a:r>
+              <a:rPr lang="fr-FR" sz="1200" dirty="0" smtClean="0">
+                <a:solidFill>
+                  <a:schemeClr val="tx1"/>
+                </a:solidFill>
+              </a:rPr>
+              <a:t>…</a:t>
+            </a:r>
+            <a:endParaRPr lang="fr-FR" sz="1200" dirty="0">
               <a:solidFill>
-                <a:schemeClr val="accent1"/>
+                <a:schemeClr val="tx1"/>
               </a:solidFill>
-            </a:ln>
-          </p:spPr>
-          <p:style>
-            <a:lnRef idx="2">
-              <a:schemeClr val="accent6"/>
-            </a:lnRef>
-            <a:fillRef idx="1">
-              <a:schemeClr val="lt1"/>
-            </a:fillRef>
-            <a:effectRef idx="0">
-              <a:schemeClr val="accent6"/>
-            </a:effectRef>
-            <a:fontRef idx="minor">
-              <a:schemeClr val="dk1"/>
-            </a:fontRef>
-          </p:style>
-          <p:txBody>
-            <a:bodyPr rtlCol="0" anchor="ctr"/>
-            <a:lstStyle/>
-            <a:p>
-              <a:pPr marL="285750" indent="-285750">
-                <a:buFontTx/>
-                <a:buChar char="-"/>
-              </a:pPr>
-              <a:r>
-                <a:rPr lang="fr-FR" sz="1600" dirty="0"/>
-                <a:t>TName</a:t>
-              </a:r>
-            </a:p>
-            <a:p>
-              <a:pPr marL="285750" indent="-285750">
-                <a:buFontTx/>
-                <a:buChar char="-"/>
-              </a:pPr>
-              <a:r>
-                <a:rPr lang="fr-FR" sz="1600" dirty="0"/>
-                <a:t>IID</a:t>
-              </a:r>
-            </a:p>
-            <a:p>
-              <a:pPr marL="285750" indent="-285750">
-                <a:buFontTx/>
-                <a:buChar char="-"/>
-              </a:pPr>
-              <a:r>
-                <a:rPr lang="fr-FR" sz="1600" dirty="0"/>
-                <a:t>IP</a:t>
-              </a:r>
-            </a:p>
-            <a:p>
-              <a:pPr marL="285750" indent="-285750">
-                <a:buFontTx/>
-                <a:buChar char="-"/>
-              </a:pPr>
-              <a:r>
-                <a:rPr lang="fr-FR" sz="1600" dirty="0"/>
-                <a:t>Version</a:t>
-              </a:r>
-            </a:p>
-            <a:p>
-              <a:pPr marL="285750" indent="-285750">
-                <a:buFontTx/>
-                <a:buChar char="-"/>
-              </a:pPr>
-              <a:r>
-                <a:rPr lang="fr-FR" sz="1600" dirty="0"/>
-                <a:t>*ServiceQuality</a:t>
-              </a:r>
-            </a:p>
-          </p:txBody>
-        </p:sp>
-        <p:sp>
-          <p:nvSpPr>
-            <p:cNvPr id="4" name="Rectangle 3">
-              <a:extLst>
-                <a:ext uri="{FF2B5EF4-FFF2-40B4-BE49-F238E27FC236}">
-                  <a16:creationId xmlns:a16="http://schemas.microsoft.com/office/drawing/2014/main" id="{DE908308-0664-4A9D-8AC3-9B9EB8978250}"/>
-                </a:ext>
-              </a:extLst>
-            </p:cNvPr>
-            <p:cNvSpPr/>
-            <p:nvPr/>
-          </p:nvSpPr>
-          <p:spPr>
-            <a:xfrm>
-              <a:off x="1311866" y="688335"/>
-              <a:ext cx="1977985" cy="344079"/>
-            </a:xfrm>
-            <a:prstGeom prst="rect">
-              <a:avLst/>
-            </a:prstGeom>
-            <a:noFill/>
-            <a:ln w="19050">
-              <a:solidFill>
-                <a:schemeClr val="accent1"/>
-              </a:solidFill>
-            </a:ln>
-          </p:spPr>
-          <p:style>
-            <a:lnRef idx="2">
-              <a:schemeClr val="accent1">
-                <a:shade val="50000"/>
-              </a:schemeClr>
-            </a:lnRef>
-            <a:fillRef idx="1">
-              <a:schemeClr val="accent1"/>
-            </a:fillRef>
-            <a:effectRef idx="0">
-              <a:schemeClr val="accent1"/>
-            </a:effectRef>
-            <a:fontRef idx="minor">
-              <a:schemeClr val="lt1"/>
-            </a:fontRef>
-          </p:style>
-          <p:txBody>
-            <a:bodyPr rtlCol="0" anchor="ctr"/>
-            <a:lstStyle/>
-            <a:p>
-              <a:pPr algn="ctr"/>
-              <a:r>
-                <a:rPr lang="en-US" sz="1600" dirty="0">
-                  <a:solidFill>
-                    <a:sysClr val="windowText" lastClr="000000"/>
-                  </a:solidFill>
-                </a:rPr>
-                <a:t>RegisterInfo</a:t>
-              </a:r>
-            </a:p>
-          </p:txBody>
-        </p:sp>
-        <p:sp>
-          <p:nvSpPr>
-            <p:cNvPr id="5" name="Organigramme : Processus 69">
-              <a:extLst>
-                <a:ext uri="{FF2B5EF4-FFF2-40B4-BE49-F238E27FC236}">
-                  <a16:creationId xmlns:a16="http://schemas.microsoft.com/office/drawing/2014/main" id="{7B53D405-2C9A-4952-A17F-D0E2E8175DC2}"/>
-                </a:ext>
-              </a:extLst>
-            </p:cNvPr>
-            <p:cNvSpPr/>
-            <p:nvPr/>
-          </p:nvSpPr>
-          <p:spPr>
-            <a:xfrm>
-              <a:off x="1311865" y="2331699"/>
-              <a:ext cx="1977985" cy="418690"/>
-            </a:xfrm>
-            <a:prstGeom prst="flowChartProcess">
-              <a:avLst/>
-            </a:prstGeom>
-            <a:ln w="19050">
-              <a:solidFill>
-                <a:schemeClr val="accent1"/>
-              </a:solidFill>
-            </a:ln>
-          </p:spPr>
-          <p:style>
-            <a:lnRef idx="2">
-              <a:schemeClr val="accent6"/>
-            </a:lnRef>
-            <a:fillRef idx="1">
-              <a:schemeClr val="lt1"/>
-            </a:fillRef>
-            <a:effectRef idx="0">
-              <a:schemeClr val="accent6"/>
-            </a:effectRef>
-            <a:fontRef idx="minor">
-              <a:schemeClr val="dk1"/>
-            </a:fontRef>
-          </p:style>
-          <p:txBody>
-            <a:bodyPr rtlCol="0" anchor="ctr"/>
-            <a:lstStyle/>
-            <a:p>
-              <a:pPr marL="285750" indent="-285750">
-                <a:buFontTx/>
-                <a:buChar char="-"/>
-              </a:pPr>
-              <a:r>
-                <a:rPr lang="fr-FR" sz="1600" dirty="0"/>
-                <a:t>NewRegisterInfo()</a:t>
-              </a:r>
-            </a:p>
-          </p:txBody>
-        </p:sp>
-      </p:grpSp>
-      <p:grpSp>
-        <p:nvGrpSpPr>
-          <p:cNvPr id="7" name="Groupe 6">
-            <a:extLst>
-              <a:ext uri="{FF2B5EF4-FFF2-40B4-BE49-F238E27FC236}">
-                <a16:creationId xmlns:a16="http://schemas.microsoft.com/office/drawing/2014/main" id="{C8E5E8F8-E331-4D74-9750-175F5780FFB9}"/>
-              </a:ext>
-            </a:extLst>
-          </p:cNvPr>
-          <p:cNvGrpSpPr/>
-          <p:nvPr/>
-        </p:nvGrpSpPr>
-        <p:grpSpPr>
-          <a:xfrm>
-            <a:off x="444042" y="308076"/>
-            <a:ext cx="2375552" cy="2344680"/>
-            <a:chOff x="1311865" y="688335"/>
-            <a:chExt cx="1977986" cy="1530467"/>
-          </a:xfrm>
-        </p:grpSpPr>
-        <p:sp>
-          <p:nvSpPr>
-            <p:cNvPr id="8" name="Organigramme : Processus 69">
-              <a:extLst>
-                <a:ext uri="{FF2B5EF4-FFF2-40B4-BE49-F238E27FC236}">
-                  <a16:creationId xmlns:a16="http://schemas.microsoft.com/office/drawing/2014/main" id="{12EA5407-0548-4EF6-93AC-FE99106B8263}"/>
-                </a:ext>
-              </a:extLst>
-            </p:cNvPr>
-            <p:cNvSpPr/>
-            <p:nvPr/>
-          </p:nvSpPr>
-          <p:spPr>
-            <a:xfrm>
-              <a:off x="1311866" y="962812"/>
-              <a:ext cx="1977985" cy="366600"/>
-            </a:xfrm>
-            <a:prstGeom prst="flowChartProcess">
-              <a:avLst/>
-            </a:prstGeom>
-            <a:ln w="19050">
-              <a:solidFill>
-                <a:schemeClr val="accent1"/>
-              </a:solidFill>
-            </a:ln>
-          </p:spPr>
-          <p:style>
-            <a:lnRef idx="2">
-              <a:schemeClr val="accent6"/>
-            </a:lnRef>
-            <a:fillRef idx="1">
-              <a:schemeClr val="lt1"/>
-            </a:fillRef>
-            <a:effectRef idx="0">
-              <a:schemeClr val="accent6"/>
-            </a:effectRef>
-            <a:fontRef idx="minor">
-              <a:schemeClr val="dk1"/>
-            </a:fontRef>
-          </p:style>
-          <p:txBody>
-            <a:bodyPr rtlCol="0" anchor="ctr"/>
-            <a:lstStyle/>
-            <a:p>
-              <a:pPr marL="285750" indent="-285750">
-                <a:buFontTx/>
-                <a:buChar char="-"/>
-              </a:pPr>
-              <a:r>
-                <a:rPr lang="fr-FR" sz="1600" dirty="0"/>
-                <a:t>ServicesMap</a:t>
-              </a:r>
-            </a:p>
-            <a:p>
-              <a:pPr marL="285750" indent="-285750">
-                <a:buFontTx/>
-                <a:buChar char="-"/>
-              </a:pPr>
-              <a:r>
-                <a:rPr lang="fr-FR" sz="1600" dirty="0"/>
-                <a:t>Server</a:t>
-              </a:r>
-            </a:p>
-          </p:txBody>
-        </p:sp>
-        <p:sp>
-          <p:nvSpPr>
-            <p:cNvPr id="9" name="Rectangle 8">
-              <a:extLst>
-                <a:ext uri="{FF2B5EF4-FFF2-40B4-BE49-F238E27FC236}">
-                  <a16:creationId xmlns:a16="http://schemas.microsoft.com/office/drawing/2014/main" id="{3E2452F1-7D78-4915-9A1F-B8598FC1C68C}"/>
-                </a:ext>
-              </a:extLst>
-            </p:cNvPr>
-            <p:cNvSpPr/>
-            <p:nvPr/>
-          </p:nvSpPr>
-          <p:spPr>
-            <a:xfrm>
-              <a:off x="1311866" y="688335"/>
-              <a:ext cx="1977985" cy="274476"/>
-            </a:xfrm>
-            <a:prstGeom prst="rect">
-              <a:avLst/>
-            </a:prstGeom>
-            <a:noFill/>
-            <a:ln w="19050">
-              <a:solidFill>
-                <a:schemeClr val="accent1"/>
-              </a:solidFill>
-            </a:ln>
-          </p:spPr>
-          <p:style>
-            <a:lnRef idx="2">
-              <a:schemeClr val="accent1">
-                <a:shade val="50000"/>
-              </a:schemeClr>
-            </a:lnRef>
-            <a:fillRef idx="1">
-              <a:schemeClr val="accent1"/>
-            </a:fillRef>
-            <a:effectRef idx="0">
-              <a:schemeClr val="accent1"/>
-            </a:effectRef>
-            <a:fontRef idx="minor">
-              <a:schemeClr val="lt1"/>
-            </a:fontRef>
-          </p:style>
-          <p:txBody>
-            <a:bodyPr rtlCol="0" anchor="ctr"/>
-            <a:lstStyle/>
-            <a:p>
-              <a:pPr algn="ctr"/>
-              <a:r>
-                <a:rPr lang="en-US" sz="1600" dirty="0">
-                  <a:solidFill>
-                    <a:sysClr val="windowText" lastClr="000000"/>
-                  </a:solidFill>
-                </a:rPr>
-                <a:t>Registry</a:t>
-              </a:r>
-            </a:p>
-          </p:txBody>
-        </p:sp>
-        <p:sp>
-          <p:nvSpPr>
-            <p:cNvPr id="10" name="Organigramme : Processus 69">
-              <a:extLst>
-                <a:ext uri="{FF2B5EF4-FFF2-40B4-BE49-F238E27FC236}">
-                  <a16:creationId xmlns:a16="http://schemas.microsoft.com/office/drawing/2014/main" id="{AF9234BB-2D56-46DD-9CD0-B6A70F97AF59}"/>
-                </a:ext>
-              </a:extLst>
-            </p:cNvPr>
-            <p:cNvSpPr/>
-            <p:nvPr/>
-          </p:nvSpPr>
-          <p:spPr>
-            <a:xfrm>
-              <a:off x="1311865" y="1329411"/>
-              <a:ext cx="1977985" cy="889391"/>
-            </a:xfrm>
-            <a:prstGeom prst="flowChartProcess">
-              <a:avLst/>
-            </a:prstGeom>
-            <a:ln w="19050">
-              <a:solidFill>
-                <a:schemeClr val="accent1"/>
-              </a:solidFill>
-            </a:ln>
-          </p:spPr>
-          <p:style>
-            <a:lnRef idx="2">
-              <a:schemeClr val="accent6"/>
-            </a:lnRef>
-            <a:fillRef idx="1">
-              <a:schemeClr val="lt1"/>
-            </a:fillRef>
-            <a:effectRef idx="0">
-              <a:schemeClr val="accent6"/>
-            </a:effectRef>
-            <a:fontRef idx="minor">
-              <a:schemeClr val="dk1"/>
-            </a:fontRef>
-          </p:style>
-          <p:txBody>
-            <a:bodyPr rtlCol="0" anchor="ctr"/>
-            <a:lstStyle/>
-            <a:p>
-              <a:pPr marL="285750" indent="-285750">
-                <a:buFontTx/>
-                <a:buChar char="-"/>
-              </a:pPr>
-              <a:r>
-                <a:rPr lang="fr-FR" sz="1600" dirty="0"/>
-                <a:t>NewRegistry()</a:t>
-              </a:r>
-            </a:p>
-            <a:p>
-              <a:pPr marL="285750" indent="-285750">
-                <a:buFontTx/>
-                <a:buChar char="-"/>
-              </a:pPr>
-              <a:r>
-                <a:rPr lang="fr-FR" sz="1600" dirty="0"/>
-                <a:t>Register()</a:t>
-              </a:r>
-            </a:p>
-            <a:p>
-              <a:pPr marL="285750" indent="-285750">
-                <a:buFontTx/>
-                <a:buChar char="-"/>
-              </a:pPr>
-              <a:r>
-                <a:rPr lang="en-US" sz="1600" dirty="0"/>
-                <a:t>Unregister</a:t>
-              </a:r>
-              <a:r>
-                <a:rPr lang="fr-FR" sz="1600" dirty="0"/>
-                <a:t>()</a:t>
-              </a:r>
-            </a:p>
-            <a:p>
-              <a:pPr marL="285750" indent="-285750">
-                <a:buFontTx/>
-                <a:buChar char="-"/>
-              </a:pPr>
-              <a:r>
-                <a:rPr lang="fr-FR" sz="1600" dirty="0"/>
-                <a:t>FindService()</a:t>
-              </a:r>
-            </a:p>
-            <a:p>
-              <a:pPr marL="285750" indent="-285750">
-                <a:buFontTx/>
-                <a:buChar char="-"/>
-              </a:pPr>
-              <a:r>
-                <a:rPr lang="fr-FR" sz="1600" dirty="0"/>
-                <a:t>UpdateSQ()</a:t>
-              </a:r>
-            </a:p>
-          </p:txBody>
-        </p:sp>
-      </p:grpSp>
-      <p:grpSp>
-        <p:nvGrpSpPr>
-          <p:cNvPr id="15" name="Groupe 14">
-            <a:extLst>
-              <a:ext uri="{FF2B5EF4-FFF2-40B4-BE49-F238E27FC236}">
-                <a16:creationId xmlns:a16="http://schemas.microsoft.com/office/drawing/2014/main" id="{104A7D79-617B-4385-9685-75B46C144B19}"/>
-              </a:ext>
-            </a:extLst>
-          </p:cNvPr>
-          <p:cNvGrpSpPr/>
-          <p:nvPr/>
-        </p:nvGrpSpPr>
-        <p:grpSpPr>
-          <a:xfrm>
-            <a:off x="6519611" y="516671"/>
-            <a:ext cx="2027684" cy="926965"/>
-            <a:chOff x="1311866" y="688335"/>
-            <a:chExt cx="1977985" cy="926965"/>
-          </a:xfrm>
-        </p:grpSpPr>
-        <p:sp>
-          <p:nvSpPr>
-            <p:cNvPr id="16" name="Organigramme : Processus 69">
-              <a:extLst>
-                <a:ext uri="{FF2B5EF4-FFF2-40B4-BE49-F238E27FC236}">
-                  <a16:creationId xmlns:a16="http://schemas.microsoft.com/office/drawing/2014/main" id="{0765801D-E0F6-4EF6-BC5B-3B1FDE1953F9}"/>
-                </a:ext>
-              </a:extLst>
-            </p:cNvPr>
-            <p:cNvSpPr/>
-            <p:nvPr/>
-          </p:nvSpPr>
-          <p:spPr>
-            <a:xfrm>
-              <a:off x="1311866" y="1032415"/>
-              <a:ext cx="1977985" cy="582885"/>
-            </a:xfrm>
-            <a:prstGeom prst="flowChartProcess">
-              <a:avLst/>
-            </a:prstGeom>
-            <a:ln w="19050">
-              <a:solidFill>
-                <a:schemeClr val="accent1"/>
-              </a:solidFill>
-            </a:ln>
-          </p:spPr>
-          <p:style>
-            <a:lnRef idx="2">
-              <a:schemeClr val="accent6"/>
-            </a:lnRef>
-            <a:fillRef idx="1">
-              <a:schemeClr val="lt1"/>
-            </a:fillRef>
-            <a:effectRef idx="0">
-              <a:schemeClr val="accent6"/>
-            </a:effectRef>
-            <a:fontRef idx="minor">
-              <a:schemeClr val="dk1"/>
-            </a:fontRef>
-          </p:style>
-          <p:txBody>
-            <a:bodyPr rtlCol="0" anchor="ctr"/>
-            <a:lstStyle/>
-            <a:p>
-              <a:pPr marL="285750" indent="-285750">
-                <a:buFontTx/>
-                <a:buChar char="-"/>
-              </a:pPr>
-              <a:r>
-                <a:rPr lang="fr-FR" sz="1600" dirty="0"/>
-                <a:t>Type</a:t>
-              </a:r>
-            </a:p>
-            <a:p>
-              <a:pPr marL="285750" indent="-285750">
-                <a:buFontTx/>
-                <a:buChar char="-"/>
-              </a:pPr>
-              <a:r>
-                <a:rPr lang="fr-FR" sz="1600" dirty="0"/>
-                <a:t>Port</a:t>
-              </a:r>
-            </a:p>
-          </p:txBody>
-        </p:sp>
-        <p:sp>
-          <p:nvSpPr>
-            <p:cNvPr id="17" name="Rectangle 16">
-              <a:extLst>
-                <a:ext uri="{FF2B5EF4-FFF2-40B4-BE49-F238E27FC236}">
-                  <a16:creationId xmlns:a16="http://schemas.microsoft.com/office/drawing/2014/main" id="{C5259B0A-B243-4130-BD6C-6AD3546829CB}"/>
-                </a:ext>
-              </a:extLst>
-            </p:cNvPr>
-            <p:cNvSpPr/>
-            <p:nvPr/>
-          </p:nvSpPr>
-          <p:spPr>
-            <a:xfrm>
-              <a:off x="1311866" y="688335"/>
-              <a:ext cx="1977985" cy="344079"/>
-            </a:xfrm>
-            <a:prstGeom prst="rect">
-              <a:avLst/>
-            </a:prstGeom>
-            <a:noFill/>
-            <a:ln w="19050">
-              <a:solidFill>
-                <a:schemeClr val="accent1"/>
-              </a:solidFill>
-            </a:ln>
-          </p:spPr>
-          <p:style>
-            <a:lnRef idx="2">
-              <a:schemeClr val="accent1">
-                <a:shade val="50000"/>
-              </a:schemeClr>
-            </a:lnRef>
-            <a:fillRef idx="1">
-              <a:schemeClr val="accent1"/>
-            </a:fillRef>
-            <a:effectRef idx="0">
-              <a:schemeClr val="accent1"/>
-            </a:effectRef>
-            <a:fontRef idx="minor">
-              <a:schemeClr val="lt1"/>
-            </a:fontRef>
-          </p:style>
-          <p:txBody>
-            <a:bodyPr rtlCol="0" anchor="ctr"/>
-            <a:lstStyle/>
-            <a:p>
-              <a:pPr algn="ctr"/>
-              <a:r>
-                <a:rPr lang="en-US" sz="1600" dirty="0">
-                  <a:solidFill>
-                    <a:sysClr val="windowText" lastClr="000000"/>
-                  </a:solidFill>
-                </a:rPr>
-                <a:t>HTTPServer</a:t>
-              </a:r>
-            </a:p>
-          </p:txBody>
-        </p:sp>
-      </p:grpSp>
+            </a:endParaRPr>
+          </a:p>
+        </p:txBody>
+      </p:sp>
+      <p:sp>
+        <p:nvSpPr>
+          <p:cNvPr id="6" name="ZoneTexte 5"/>
+          <p:cNvSpPr txBox="1"/>
+          <p:nvPr/>
+        </p:nvSpPr>
+        <p:spPr>
+          <a:xfrm>
+            <a:off x="5261204" y="3934405"/>
+            <a:ext cx="1104523" cy="307777"/>
+          </a:xfrm>
+          <a:prstGeom prst="rect">
+            <a:avLst/>
+          </a:prstGeom>
+          <a:noFill/>
+        </p:spPr>
+        <p:txBody>
+          <a:bodyPr wrap="square" rtlCol="0">
+            <a:spAutoFit/>
+          </a:bodyPr>
+          <a:lstStyle/>
+          <a:p>
+            <a:pPr algn="ctr"/>
+            <a:r>
+              <a:rPr lang="fr-FR" sz="1400" dirty="0"/>
+              <a:t>Service Auth</a:t>
+            </a:r>
+          </a:p>
+        </p:txBody>
+      </p:sp>
+      <p:sp>
+        <p:nvSpPr>
+          <p:cNvPr id="8" name="Rectangle 7"/>
+          <p:cNvSpPr/>
+          <p:nvPr/>
+        </p:nvSpPr>
+        <p:spPr>
+          <a:xfrm>
+            <a:off x="5251062" y="3526616"/>
+            <a:ext cx="2125083" cy="407406"/>
+          </a:xfrm>
+          <a:prstGeom prst="rect">
+            <a:avLst/>
+          </a:prstGeom>
+          <a:noFill/>
+          <a:ln w="19050"/>
+        </p:spPr>
+        <p:style>
+          <a:lnRef idx="2">
+            <a:schemeClr val="accent1">
+              <a:shade val="50000"/>
+            </a:schemeClr>
+          </a:lnRef>
+          <a:fillRef idx="1">
+            <a:schemeClr val="accent1"/>
+          </a:fillRef>
+          <a:effectRef idx="0">
+            <a:schemeClr val="accent1"/>
+          </a:effectRef>
+          <a:fontRef idx="minor">
+            <a:schemeClr val="lt1"/>
+          </a:fontRef>
+        </p:style>
+        <p:txBody>
+          <a:bodyPr rtlCol="0" anchor="ctr"/>
+          <a:lstStyle/>
+          <a:p>
+            <a:pPr algn="ctr"/>
+            <a:endParaRPr lang="fr-FR"/>
+          </a:p>
+        </p:txBody>
+      </p:sp>
+      <p:sp>
+        <p:nvSpPr>
+          <p:cNvPr id="9" name="ZoneTexte 8"/>
+          <p:cNvSpPr txBox="1"/>
+          <p:nvPr/>
+        </p:nvSpPr>
+        <p:spPr>
+          <a:xfrm>
+            <a:off x="5251062" y="3573270"/>
+            <a:ext cx="2125083" cy="307777"/>
+          </a:xfrm>
+          <a:prstGeom prst="rect">
+            <a:avLst/>
+          </a:prstGeom>
+          <a:noFill/>
+        </p:spPr>
+        <p:txBody>
+          <a:bodyPr wrap="square" rtlCol="0">
+            <a:spAutoFit/>
+          </a:bodyPr>
+          <a:lstStyle/>
+          <a:p>
+            <a:pPr algn="ctr"/>
+            <a:r>
+              <a:rPr lang="en-US" sz="1400" dirty="0" smtClean="0"/>
+              <a:t>Level</a:t>
+            </a:r>
+            <a:r>
+              <a:rPr lang="fr-FR" sz="1400" dirty="0" smtClean="0"/>
+              <a:t> </a:t>
+            </a:r>
+            <a:r>
+              <a:rPr lang="fr-FR" sz="1400" dirty="0" smtClean="0"/>
+              <a:t>of </a:t>
+            </a:r>
+            <a:r>
+              <a:rPr lang="fr-FR" sz="1400" dirty="0"/>
+              <a:t>c</a:t>
+            </a:r>
+            <a:r>
+              <a:rPr lang="fr-FR" sz="1400" dirty="0" smtClean="0"/>
+              <a:t>ommunication</a:t>
+            </a:r>
+            <a:endParaRPr lang="fr-FR" sz="1400" dirty="0"/>
+          </a:p>
+        </p:txBody>
+      </p:sp>
+      <p:sp>
+        <p:nvSpPr>
+          <p:cNvPr id="16" name="Ellipse 15"/>
+          <p:cNvSpPr/>
+          <p:nvPr/>
+        </p:nvSpPr>
+        <p:spPr>
+          <a:xfrm>
+            <a:off x="3878941" y="1698187"/>
+            <a:ext cx="1429179" cy="673250"/>
+          </a:xfrm>
+          <a:prstGeom prst="ellipse">
+            <a:avLst/>
+          </a:prstGeom>
+          <a:ln w="19050"/>
+        </p:spPr>
+        <p:style>
+          <a:lnRef idx="2">
+            <a:schemeClr val="accent1"/>
+          </a:lnRef>
+          <a:fillRef idx="1">
+            <a:schemeClr val="lt1"/>
+          </a:fillRef>
+          <a:effectRef idx="0">
+            <a:schemeClr val="accent1"/>
+          </a:effectRef>
+          <a:fontRef idx="minor">
+            <a:schemeClr val="dk1"/>
+          </a:fontRef>
+        </p:style>
+        <p:txBody>
+          <a:bodyPr rtlCol="0" anchor="ctr"/>
+          <a:lstStyle/>
+          <a:p>
+            <a:pPr algn="ctr"/>
+            <a:r>
+              <a:rPr lang="fr-FR" sz="1600" dirty="0"/>
+              <a:t>Auth 1</a:t>
+            </a:r>
+          </a:p>
+        </p:txBody>
+      </p:sp>
+      <p:sp>
+        <p:nvSpPr>
+          <p:cNvPr id="21" name="ZoneTexte 20"/>
+          <p:cNvSpPr txBox="1"/>
+          <p:nvPr/>
+        </p:nvSpPr>
+        <p:spPr>
+          <a:xfrm>
+            <a:off x="3632477" y="804388"/>
+            <a:ext cx="5615852" cy="369332"/>
+          </a:xfrm>
+          <a:prstGeom prst="rect">
+            <a:avLst/>
+          </a:prstGeom>
+          <a:noFill/>
+        </p:spPr>
+        <p:txBody>
+          <a:bodyPr wrap="square" rtlCol="0">
+            <a:spAutoFit/>
+          </a:bodyPr>
+          <a:lstStyle/>
+          <a:p>
+            <a:pPr algn="ctr"/>
+            <a:r>
+              <a:rPr lang="fr-FR" dirty="0" smtClean="0"/>
+              <a:t>Microservices (service consumer / service provider)</a:t>
+            </a:r>
+            <a:endParaRPr lang="fr-FR" dirty="0"/>
+          </a:p>
+        </p:txBody>
+      </p:sp>
+      <p:sp>
+        <p:nvSpPr>
+          <p:cNvPr id="25" name="ZoneTexte 24"/>
+          <p:cNvSpPr txBox="1"/>
+          <p:nvPr/>
+        </p:nvSpPr>
+        <p:spPr>
+          <a:xfrm>
+            <a:off x="8687481" y="1992089"/>
+            <a:ext cx="793925" cy="369332"/>
+          </a:xfrm>
+          <a:prstGeom prst="rect">
+            <a:avLst/>
+          </a:prstGeom>
+          <a:noFill/>
+        </p:spPr>
+        <p:txBody>
+          <a:bodyPr wrap="square" rtlCol="0">
+            <a:spAutoFit/>
+          </a:bodyPr>
+          <a:lstStyle/>
+          <a:p>
+            <a:r>
+              <a:rPr lang="fr-FR" dirty="0"/>
+              <a:t>……</a:t>
+            </a:r>
+          </a:p>
+        </p:txBody>
+      </p:sp>
       <p:cxnSp>
         <p:nvCxnSpPr>
-          <p:cNvPr id="27" name="Connecteur : en arc 26">
-            <a:extLst>
-              <a:ext uri="{FF2B5EF4-FFF2-40B4-BE49-F238E27FC236}">
-                <a16:creationId xmlns:a16="http://schemas.microsoft.com/office/drawing/2014/main" id="{C52F03B3-A42D-482D-8EB7-7CC8EA5B2F1F}"/>
-              </a:ext>
-            </a:extLst>
-          </p:cNvPr>
+          <p:cNvPr id="29" name="Connecteur en arc 28"/>
           <p:cNvCxnSpPr>
-            <a:cxnSpLocks/>
-            <a:stCxn id="8" idx="3"/>
-            <a:endCxn id="61" idx="1"/>
+            <a:stCxn id="72" idx="4"/>
+            <a:endCxn id="8" idx="0"/>
           </p:cNvCxnSpPr>
           <p:nvPr/>
         </p:nvCxnSpPr>
         <p:spPr>
-          <a:xfrm flipV="1">
-            <a:off x="2819594" y="852931"/>
-            <a:ext cx="1122187" cy="156461"/>
+          <a:xfrm rot="16200000" flipH="1">
+            <a:off x="5728928" y="2941939"/>
+            <a:ext cx="1154757" cy="14595"/>
           </a:xfrm>
           <a:prstGeom prst="curvedConnector3">
-            <a:avLst/>
-          </a:prstGeom>
-          <a:ln>
+            <a:avLst>
+              <a:gd name="adj1" fmla="val 50000"/>
+            </a:avLst>
+          </a:prstGeom>
+          <a:ln w="19050">
+            <a:solidFill>
+              <a:schemeClr val="accent4">
+                <a:lumMod val="75000"/>
+              </a:schemeClr>
+            </a:solidFill>
             <a:tailEnd type="triangle"/>
           </a:ln>
         </p:spPr>
         <p:style>
-          <a:lnRef idx="1">
+          <a:lnRef idx="2">
             <a:schemeClr val="accent1"/>
           </a:lnRef>
           <a:fillRef idx="0">
             <a:schemeClr val="accent1"/>
           </a:fillRef>
-          <a:effectRef idx="0">
+          <a:effectRef idx="1">
             <a:schemeClr val="accent1"/>
           </a:effectRef>
           <a:fontRef idx="minor">
@@ -5428,42 +5190,40 @@
       </p:cxnSp>
       <p:cxnSp>
         <p:nvCxnSpPr>
-          <p:cNvPr id="32" name="Connecteur : en arc 31">
-            <a:extLst>
-              <a:ext uri="{FF2B5EF4-FFF2-40B4-BE49-F238E27FC236}">
-                <a16:creationId xmlns:a16="http://schemas.microsoft.com/office/drawing/2014/main" id="{E527D28F-0F44-4DBE-813B-06D0F4E5AAA3}"/>
-              </a:ext>
-            </a:extLst>
-          </p:cNvPr>
+          <p:cNvPr id="31" name="Connecteur en arc 30"/>
           <p:cNvCxnSpPr>
-            <a:cxnSpLocks/>
-            <a:stCxn id="10" idx="2"/>
-            <a:endCxn id="4" idx="0"/>
+            <a:stCxn id="79" idx="4"/>
+            <a:endCxn id="8" idx="0"/>
           </p:cNvCxnSpPr>
           <p:nvPr/>
         </p:nvCxnSpPr>
         <p:spPr>
-          <a:xfrm rot="16200000" flipH="1">
-            <a:off x="1363174" y="2921399"/>
-            <a:ext cx="955791" cy="418503"/>
+          <a:xfrm rot="5400000">
+            <a:off x="6565659" y="2119382"/>
+            <a:ext cx="1155179" cy="1659288"/>
           </a:xfrm>
           <a:prstGeom prst="curvedConnector3">
             <a:avLst>
               <a:gd name="adj1" fmla="val 50000"/>
             </a:avLst>
           </a:prstGeom>
-          <a:ln>
+          <a:ln w="19050">
+            <a:solidFill>
+              <a:schemeClr val="accent4">
+                <a:lumMod val="75000"/>
+              </a:schemeClr>
+            </a:solidFill>
             <a:tailEnd type="triangle"/>
           </a:ln>
         </p:spPr>
         <p:style>
-          <a:lnRef idx="1">
+          <a:lnRef idx="2">
             <a:schemeClr val="accent1"/>
           </a:lnRef>
           <a:fillRef idx="0">
             <a:schemeClr val="accent1"/>
           </a:fillRef>
-          <a:effectRef idx="0">
+          <a:effectRef idx="1">
             <a:schemeClr val="accent1"/>
           </a:effectRef>
           <a:fontRef idx="minor">
@@ -5471,883 +5231,42 @@
           </a:fontRef>
         </p:style>
       </p:cxnSp>
-      <p:grpSp>
-        <p:nvGrpSpPr>
-          <p:cNvPr id="37" name="Groupe 36">
-            <a:extLst>
-              <a:ext uri="{FF2B5EF4-FFF2-40B4-BE49-F238E27FC236}">
-                <a16:creationId xmlns:a16="http://schemas.microsoft.com/office/drawing/2014/main" id="{DF97A2C7-6E42-42B0-862F-E6C185286DB9}"/>
-              </a:ext>
-            </a:extLst>
-          </p:cNvPr>
-          <p:cNvGrpSpPr/>
-          <p:nvPr/>
-        </p:nvGrpSpPr>
-        <p:grpSpPr>
-          <a:xfrm>
-            <a:off x="3897356" y="3261181"/>
-            <a:ext cx="2375551" cy="1340251"/>
-            <a:chOff x="1311866" y="688335"/>
-            <a:chExt cx="1977985" cy="1340251"/>
-          </a:xfrm>
-        </p:grpSpPr>
-        <p:sp>
-          <p:nvSpPr>
-            <p:cNvPr id="38" name="Organigramme : Processus 69">
-              <a:extLst>
-                <a:ext uri="{FF2B5EF4-FFF2-40B4-BE49-F238E27FC236}">
-                  <a16:creationId xmlns:a16="http://schemas.microsoft.com/office/drawing/2014/main" id="{F3279541-84E2-4251-BE40-3D27BAF61660}"/>
-                </a:ext>
-              </a:extLst>
-            </p:cNvPr>
-            <p:cNvSpPr/>
-            <p:nvPr/>
-          </p:nvSpPr>
-          <p:spPr>
-            <a:xfrm>
-              <a:off x="1311866" y="1032414"/>
-              <a:ext cx="1977985" cy="592825"/>
-            </a:xfrm>
-            <a:prstGeom prst="flowChartProcess">
-              <a:avLst/>
-            </a:prstGeom>
-            <a:ln w="19050">
-              <a:solidFill>
-                <a:schemeClr val="accent1"/>
-              </a:solidFill>
-            </a:ln>
-          </p:spPr>
-          <p:style>
-            <a:lnRef idx="2">
-              <a:schemeClr val="accent6"/>
-            </a:lnRef>
-            <a:fillRef idx="1">
-              <a:schemeClr val="lt1"/>
-            </a:fillRef>
-            <a:effectRef idx="0">
-              <a:schemeClr val="accent6"/>
-            </a:effectRef>
-            <a:fontRef idx="minor">
-              <a:schemeClr val="dk1"/>
-            </a:fontRef>
-          </p:style>
-          <p:txBody>
-            <a:bodyPr rtlCol="0" anchor="ctr"/>
-            <a:lstStyle/>
-            <a:p>
-              <a:pPr marL="285750" indent="-285750">
-                <a:buFontTx/>
-                <a:buChar char="-"/>
-              </a:pPr>
-              <a:r>
-                <a:rPr lang="fr-FR" sz="1600" dirty="0"/>
-                <a:t>TName</a:t>
-              </a:r>
-            </a:p>
-            <a:p>
-              <a:pPr marL="285750" indent="-285750">
-                <a:buFontTx/>
-                <a:buChar char="-"/>
-              </a:pPr>
-              <a:r>
-                <a:rPr lang="fr-FR" sz="1600" dirty="0"/>
-                <a:t>Version</a:t>
-              </a:r>
-            </a:p>
-          </p:txBody>
-        </p:sp>
-        <p:sp>
-          <p:nvSpPr>
-            <p:cNvPr id="39" name="Rectangle 38">
-              <a:extLst>
-                <a:ext uri="{FF2B5EF4-FFF2-40B4-BE49-F238E27FC236}">
-                  <a16:creationId xmlns:a16="http://schemas.microsoft.com/office/drawing/2014/main" id="{DFEB5320-1C38-4A34-867C-D91D03C96E53}"/>
-                </a:ext>
-              </a:extLst>
-            </p:cNvPr>
-            <p:cNvSpPr/>
-            <p:nvPr/>
-          </p:nvSpPr>
-          <p:spPr>
-            <a:xfrm>
-              <a:off x="1311866" y="688335"/>
-              <a:ext cx="1977985" cy="344079"/>
-            </a:xfrm>
-            <a:prstGeom prst="rect">
-              <a:avLst/>
-            </a:prstGeom>
-            <a:noFill/>
-            <a:ln w="19050">
-              <a:solidFill>
-                <a:schemeClr val="accent1"/>
-              </a:solidFill>
-            </a:ln>
-          </p:spPr>
-          <p:style>
-            <a:lnRef idx="2">
-              <a:schemeClr val="accent1">
-                <a:shade val="50000"/>
-              </a:schemeClr>
-            </a:lnRef>
-            <a:fillRef idx="1">
-              <a:schemeClr val="accent1"/>
-            </a:fillRef>
-            <a:effectRef idx="0">
-              <a:schemeClr val="accent1"/>
-            </a:effectRef>
-            <a:fontRef idx="minor">
-              <a:schemeClr val="lt1"/>
-            </a:fontRef>
-          </p:style>
-          <p:txBody>
-            <a:bodyPr rtlCol="0" anchor="ctr"/>
-            <a:lstStyle/>
-            <a:p>
-              <a:pPr algn="ctr"/>
-              <a:r>
-                <a:rPr lang="en-US" sz="1600" dirty="0">
-                  <a:solidFill>
-                    <a:sysClr val="windowText" lastClr="000000"/>
-                  </a:solidFill>
-                </a:rPr>
-                <a:t>ServiceRequest</a:t>
-              </a:r>
-            </a:p>
-          </p:txBody>
-        </p:sp>
-        <p:sp>
-          <p:nvSpPr>
-            <p:cNvPr id="40" name="Organigramme : Processus 69">
-              <a:extLst>
-                <a:ext uri="{FF2B5EF4-FFF2-40B4-BE49-F238E27FC236}">
-                  <a16:creationId xmlns:a16="http://schemas.microsoft.com/office/drawing/2014/main" id="{C824B129-81A3-40BA-8580-80866ECCEBFC}"/>
-                </a:ext>
-              </a:extLst>
-            </p:cNvPr>
-            <p:cNvSpPr/>
-            <p:nvPr/>
-          </p:nvSpPr>
-          <p:spPr>
-            <a:xfrm>
-              <a:off x="1311866" y="1615300"/>
-              <a:ext cx="1977985" cy="413286"/>
-            </a:xfrm>
-            <a:prstGeom prst="flowChartProcess">
-              <a:avLst/>
-            </a:prstGeom>
-            <a:ln w="19050">
-              <a:solidFill>
-                <a:schemeClr val="accent1"/>
-              </a:solidFill>
-            </a:ln>
-          </p:spPr>
-          <p:style>
-            <a:lnRef idx="2">
-              <a:schemeClr val="accent6"/>
-            </a:lnRef>
-            <a:fillRef idx="1">
-              <a:schemeClr val="lt1"/>
-            </a:fillRef>
-            <a:effectRef idx="0">
-              <a:schemeClr val="accent6"/>
-            </a:effectRef>
-            <a:fontRef idx="minor">
-              <a:schemeClr val="dk1"/>
-            </a:fontRef>
-          </p:style>
-          <p:txBody>
-            <a:bodyPr rtlCol="0" anchor="ctr"/>
-            <a:lstStyle/>
-            <a:p>
-              <a:pPr marL="285750" indent="-285750">
-                <a:buFontTx/>
-                <a:buChar char="-"/>
-              </a:pPr>
-              <a:r>
-                <a:rPr lang="fr-FR" sz="1600" dirty="0"/>
-                <a:t>New</a:t>
-              </a:r>
-              <a:r>
-                <a:rPr lang="en-US" sz="1600" dirty="0">
-                  <a:solidFill>
-                    <a:sysClr val="windowText" lastClr="000000"/>
-                  </a:solidFill>
-                </a:rPr>
-                <a:t>ServiceRequest()</a:t>
-              </a:r>
-              <a:endParaRPr lang="fr-FR" sz="1600" dirty="0"/>
-            </a:p>
-          </p:txBody>
-        </p:sp>
-      </p:grpSp>
-      <p:grpSp>
-        <p:nvGrpSpPr>
-          <p:cNvPr id="41" name="Groupe 40">
-            <a:extLst>
-              <a:ext uri="{FF2B5EF4-FFF2-40B4-BE49-F238E27FC236}">
-                <a16:creationId xmlns:a16="http://schemas.microsoft.com/office/drawing/2014/main" id="{78E23E79-E255-4F2F-99F8-98E9EED6E8BF}"/>
-              </a:ext>
-            </a:extLst>
-          </p:cNvPr>
-          <p:cNvGrpSpPr/>
-          <p:nvPr/>
-        </p:nvGrpSpPr>
-        <p:grpSpPr>
-          <a:xfrm>
-            <a:off x="6621530" y="3933523"/>
-            <a:ext cx="2375553" cy="2024216"/>
-            <a:chOff x="1311864" y="496790"/>
-            <a:chExt cx="1977987" cy="2024216"/>
-          </a:xfrm>
-        </p:grpSpPr>
-        <p:sp>
-          <p:nvSpPr>
-            <p:cNvPr id="42" name="Organigramme : Processus 69">
-              <a:extLst>
-                <a:ext uri="{FF2B5EF4-FFF2-40B4-BE49-F238E27FC236}">
-                  <a16:creationId xmlns:a16="http://schemas.microsoft.com/office/drawing/2014/main" id="{2BF3286A-690C-4FEC-BC31-B0DCDAE33BB0}"/>
-                </a:ext>
-              </a:extLst>
-            </p:cNvPr>
-            <p:cNvSpPr/>
-            <p:nvPr/>
-          </p:nvSpPr>
-          <p:spPr>
-            <a:xfrm>
-              <a:off x="1311866" y="840869"/>
-              <a:ext cx="1977985" cy="1257291"/>
-            </a:xfrm>
-            <a:prstGeom prst="flowChartProcess">
-              <a:avLst/>
-            </a:prstGeom>
-            <a:ln w="19050">
-              <a:solidFill>
-                <a:schemeClr val="accent1"/>
-              </a:solidFill>
-            </a:ln>
-          </p:spPr>
-          <p:style>
-            <a:lnRef idx="2">
-              <a:schemeClr val="accent6"/>
-            </a:lnRef>
-            <a:fillRef idx="1">
-              <a:schemeClr val="lt1"/>
-            </a:fillRef>
-            <a:effectRef idx="0">
-              <a:schemeClr val="accent6"/>
-            </a:effectRef>
-            <a:fontRef idx="minor">
-              <a:schemeClr val="dk1"/>
-            </a:fontRef>
-          </p:style>
-          <p:txBody>
-            <a:bodyPr rtlCol="0" anchor="ctr"/>
-            <a:lstStyle/>
-            <a:p>
-              <a:pPr marL="285750" indent="-285750">
-                <a:buFontTx/>
-                <a:buChar char="-"/>
-              </a:pPr>
-              <a:r>
-                <a:rPr lang="fr-FR" sz="1600" dirty="0"/>
-                <a:t>TName</a:t>
-              </a:r>
-            </a:p>
-            <a:p>
-              <a:pPr marL="285750" indent="-285750">
-                <a:buFontTx/>
-                <a:buChar char="-"/>
-              </a:pPr>
-              <a:r>
-                <a:rPr lang="fr-FR" sz="1600" dirty="0"/>
-                <a:t>IID</a:t>
-              </a:r>
-            </a:p>
-            <a:p>
-              <a:pPr marL="285750" indent="-285750">
-                <a:buFontTx/>
-                <a:buChar char="-"/>
-              </a:pPr>
-              <a:r>
-                <a:rPr lang="fr-FR" sz="1600" dirty="0"/>
-                <a:t>IP</a:t>
-              </a:r>
-            </a:p>
-            <a:p>
-              <a:pPr marL="285750" indent="-285750">
-                <a:buFontTx/>
-                <a:buChar char="-"/>
-              </a:pPr>
-              <a:r>
-                <a:rPr lang="fr-FR" sz="1600" dirty="0"/>
-                <a:t>Version</a:t>
-              </a:r>
-            </a:p>
-            <a:p>
-              <a:pPr marL="285750" indent="-285750">
-                <a:buFontTx/>
-                <a:buChar char="-"/>
-              </a:pPr>
-              <a:r>
-                <a:rPr lang="fr-FR" sz="1600" dirty="0"/>
-                <a:t>TTL</a:t>
-              </a:r>
-            </a:p>
-          </p:txBody>
-        </p:sp>
-        <p:sp>
-          <p:nvSpPr>
-            <p:cNvPr id="43" name="Rectangle 42">
-              <a:extLst>
-                <a:ext uri="{FF2B5EF4-FFF2-40B4-BE49-F238E27FC236}">
-                  <a16:creationId xmlns:a16="http://schemas.microsoft.com/office/drawing/2014/main" id="{321659BB-7B7F-438A-8880-B43290A72BB9}"/>
-                </a:ext>
-              </a:extLst>
-            </p:cNvPr>
-            <p:cNvSpPr/>
-            <p:nvPr/>
-          </p:nvSpPr>
-          <p:spPr>
-            <a:xfrm>
-              <a:off x="1311864" y="496790"/>
-              <a:ext cx="1977985" cy="344079"/>
-            </a:xfrm>
-            <a:prstGeom prst="rect">
-              <a:avLst/>
-            </a:prstGeom>
-            <a:noFill/>
-            <a:ln w="19050">
-              <a:solidFill>
-                <a:schemeClr val="accent1"/>
-              </a:solidFill>
-            </a:ln>
-          </p:spPr>
-          <p:style>
-            <a:lnRef idx="2">
-              <a:schemeClr val="accent1">
-                <a:shade val="50000"/>
-              </a:schemeClr>
-            </a:lnRef>
-            <a:fillRef idx="1">
-              <a:schemeClr val="accent1"/>
-            </a:fillRef>
-            <a:effectRef idx="0">
-              <a:schemeClr val="accent1"/>
-            </a:effectRef>
-            <a:fontRef idx="minor">
-              <a:schemeClr val="lt1"/>
-            </a:fontRef>
-          </p:style>
-          <p:txBody>
-            <a:bodyPr rtlCol="0" anchor="ctr"/>
-            <a:lstStyle/>
-            <a:p>
-              <a:pPr algn="ctr"/>
-              <a:r>
-                <a:rPr lang="en-US" sz="1600" dirty="0">
-                  <a:solidFill>
-                    <a:sysClr val="windowText" lastClr="000000"/>
-                  </a:solidFill>
-                </a:rPr>
-                <a:t>ServiceInfo</a:t>
-              </a:r>
-            </a:p>
-          </p:txBody>
-        </p:sp>
-        <p:sp>
-          <p:nvSpPr>
-            <p:cNvPr id="44" name="Organigramme : Processus 69">
-              <a:extLst>
-                <a:ext uri="{FF2B5EF4-FFF2-40B4-BE49-F238E27FC236}">
-                  <a16:creationId xmlns:a16="http://schemas.microsoft.com/office/drawing/2014/main" id="{6837BA02-1DF8-4E42-AFAD-0250D2D0B4E1}"/>
-                </a:ext>
-              </a:extLst>
-            </p:cNvPr>
-            <p:cNvSpPr/>
-            <p:nvPr/>
-          </p:nvSpPr>
-          <p:spPr>
-            <a:xfrm>
-              <a:off x="1311865" y="2102316"/>
-              <a:ext cx="1977985" cy="418690"/>
-            </a:xfrm>
-            <a:prstGeom prst="flowChartProcess">
-              <a:avLst/>
-            </a:prstGeom>
-            <a:ln w="19050">
-              <a:solidFill>
-                <a:schemeClr val="accent1"/>
-              </a:solidFill>
-            </a:ln>
-          </p:spPr>
-          <p:style>
-            <a:lnRef idx="2">
-              <a:schemeClr val="accent6"/>
-            </a:lnRef>
-            <a:fillRef idx="1">
-              <a:schemeClr val="lt1"/>
-            </a:fillRef>
-            <a:effectRef idx="0">
-              <a:schemeClr val="accent6"/>
-            </a:effectRef>
-            <a:fontRef idx="minor">
-              <a:schemeClr val="dk1"/>
-            </a:fontRef>
-          </p:style>
-          <p:txBody>
-            <a:bodyPr rtlCol="0" anchor="ctr"/>
-            <a:lstStyle/>
-            <a:p>
-              <a:pPr marL="285750" indent="-285750">
-                <a:buFontTx/>
-                <a:buChar char="-"/>
-              </a:pPr>
-              <a:r>
-                <a:rPr lang="fr-FR" sz="1600" dirty="0"/>
-                <a:t>New</a:t>
-              </a:r>
-              <a:r>
-                <a:rPr lang="en-US" sz="1600" dirty="0">
-                  <a:solidFill>
-                    <a:sysClr val="windowText" lastClr="000000"/>
-                  </a:solidFill>
-                </a:rPr>
-                <a:t>ServiceInfo()</a:t>
-              </a:r>
-              <a:endParaRPr lang="fr-FR" sz="1600" dirty="0"/>
-            </a:p>
-          </p:txBody>
-        </p:sp>
-      </p:grpSp>
-      <p:grpSp>
-        <p:nvGrpSpPr>
-          <p:cNvPr id="33" name="Groupe 32">
-            <a:extLst>
-              <a:ext uri="{FF2B5EF4-FFF2-40B4-BE49-F238E27FC236}">
-                <a16:creationId xmlns:a16="http://schemas.microsoft.com/office/drawing/2014/main" id="{DF97A2C7-6E42-42B0-862F-E6C185286DB9}"/>
-              </a:ext>
-            </a:extLst>
-          </p:cNvPr>
-          <p:cNvGrpSpPr/>
-          <p:nvPr/>
-        </p:nvGrpSpPr>
-        <p:grpSpPr>
-          <a:xfrm>
-            <a:off x="3876364" y="5209448"/>
-            <a:ext cx="2375551" cy="1164345"/>
-            <a:chOff x="1311866" y="688335"/>
-            <a:chExt cx="1977985" cy="1164345"/>
-          </a:xfrm>
-        </p:grpSpPr>
-        <p:sp>
-          <p:nvSpPr>
-            <p:cNvPr id="34" name="Organigramme : Processus 69">
-              <a:extLst>
-                <a:ext uri="{FF2B5EF4-FFF2-40B4-BE49-F238E27FC236}">
-                  <a16:creationId xmlns:a16="http://schemas.microsoft.com/office/drawing/2014/main" id="{F3279541-84E2-4251-BE40-3D27BAF61660}"/>
-                </a:ext>
-              </a:extLst>
-            </p:cNvPr>
-            <p:cNvSpPr/>
-            <p:nvPr/>
-          </p:nvSpPr>
-          <p:spPr>
-            <a:xfrm>
-              <a:off x="1311866" y="1032415"/>
-              <a:ext cx="1977985" cy="406980"/>
-            </a:xfrm>
-            <a:prstGeom prst="flowChartProcess">
-              <a:avLst/>
-            </a:prstGeom>
-            <a:ln w="19050">
-              <a:solidFill>
-                <a:schemeClr val="accent1"/>
-              </a:solidFill>
-            </a:ln>
-          </p:spPr>
-          <p:style>
-            <a:lnRef idx="2">
-              <a:schemeClr val="accent6"/>
-            </a:lnRef>
-            <a:fillRef idx="1">
-              <a:schemeClr val="lt1"/>
-            </a:fillRef>
-            <a:effectRef idx="0">
-              <a:schemeClr val="accent6"/>
-            </a:effectRef>
-            <a:fontRef idx="minor">
-              <a:schemeClr val="dk1"/>
-            </a:fontRef>
-          </p:style>
-          <p:txBody>
-            <a:bodyPr rtlCol="0" anchor="ctr"/>
-            <a:lstStyle/>
-            <a:p>
-              <a:pPr marL="285750" indent="-285750">
-                <a:buFontTx/>
-                <a:buChar char="-"/>
-              </a:pPr>
-              <a:r>
-                <a:rPr lang="fr-FR" sz="1600" dirty="0"/>
-                <a:t>Load</a:t>
-              </a:r>
-            </a:p>
-          </p:txBody>
-        </p:sp>
-        <p:sp>
-          <p:nvSpPr>
-            <p:cNvPr id="35" name="Rectangle 34">
-              <a:extLst>
-                <a:ext uri="{FF2B5EF4-FFF2-40B4-BE49-F238E27FC236}">
-                  <a16:creationId xmlns:a16="http://schemas.microsoft.com/office/drawing/2014/main" id="{DFEB5320-1C38-4A34-867C-D91D03C96E53}"/>
-                </a:ext>
-              </a:extLst>
-            </p:cNvPr>
-            <p:cNvSpPr/>
-            <p:nvPr/>
-          </p:nvSpPr>
-          <p:spPr>
-            <a:xfrm>
-              <a:off x="1311866" y="688335"/>
-              <a:ext cx="1977985" cy="344079"/>
-            </a:xfrm>
-            <a:prstGeom prst="rect">
-              <a:avLst/>
-            </a:prstGeom>
-            <a:noFill/>
-            <a:ln w="19050">
-              <a:solidFill>
-                <a:schemeClr val="accent1"/>
-              </a:solidFill>
-            </a:ln>
-          </p:spPr>
-          <p:style>
-            <a:lnRef idx="2">
-              <a:schemeClr val="accent1">
-                <a:shade val="50000"/>
-              </a:schemeClr>
-            </a:lnRef>
-            <a:fillRef idx="1">
-              <a:schemeClr val="accent1"/>
-            </a:fillRef>
-            <a:effectRef idx="0">
-              <a:schemeClr val="accent1"/>
-            </a:effectRef>
-            <a:fontRef idx="minor">
-              <a:schemeClr val="lt1"/>
-            </a:fontRef>
-          </p:style>
-          <p:txBody>
-            <a:bodyPr rtlCol="0" anchor="ctr"/>
-            <a:lstStyle/>
-            <a:p>
-              <a:pPr algn="ctr"/>
-              <a:r>
-                <a:rPr lang="en-US" sz="1600" dirty="0">
-                  <a:solidFill>
-                    <a:sysClr val="windowText" lastClr="000000"/>
-                  </a:solidFill>
-                </a:rPr>
-                <a:t>ServiceQuality</a:t>
-              </a:r>
-            </a:p>
-          </p:txBody>
-        </p:sp>
-        <p:sp>
-          <p:nvSpPr>
-            <p:cNvPr id="45" name="Organigramme : Processus 69">
-              <a:extLst>
-                <a:ext uri="{FF2B5EF4-FFF2-40B4-BE49-F238E27FC236}">
-                  <a16:creationId xmlns:a16="http://schemas.microsoft.com/office/drawing/2014/main" id="{C824B129-81A3-40BA-8580-80866ECCEBFC}"/>
-                </a:ext>
-              </a:extLst>
-            </p:cNvPr>
-            <p:cNvSpPr/>
-            <p:nvPr/>
-          </p:nvSpPr>
-          <p:spPr>
-            <a:xfrm>
-              <a:off x="1311866" y="1439394"/>
-              <a:ext cx="1977985" cy="413286"/>
-            </a:xfrm>
-            <a:prstGeom prst="flowChartProcess">
-              <a:avLst/>
-            </a:prstGeom>
-            <a:ln w="19050">
-              <a:solidFill>
-                <a:schemeClr val="accent1"/>
-              </a:solidFill>
-            </a:ln>
-          </p:spPr>
-          <p:style>
-            <a:lnRef idx="2">
-              <a:schemeClr val="accent6"/>
-            </a:lnRef>
-            <a:fillRef idx="1">
-              <a:schemeClr val="lt1"/>
-            </a:fillRef>
-            <a:effectRef idx="0">
-              <a:schemeClr val="accent6"/>
-            </a:effectRef>
-            <a:fontRef idx="minor">
-              <a:schemeClr val="dk1"/>
-            </a:fontRef>
-          </p:style>
-          <p:txBody>
-            <a:bodyPr rtlCol="0" anchor="ctr"/>
-            <a:lstStyle/>
-            <a:p>
-              <a:pPr marL="285750" indent="-285750">
-                <a:buFontTx/>
-                <a:buChar char="-"/>
-              </a:pPr>
-              <a:r>
-                <a:rPr lang="fr-FR" sz="1600" dirty="0"/>
-                <a:t>New</a:t>
-              </a:r>
-              <a:r>
-                <a:rPr lang="en-US" sz="1600" dirty="0">
-                  <a:solidFill>
-                    <a:sysClr val="windowText" lastClr="000000"/>
-                  </a:solidFill>
-                </a:rPr>
-                <a:t>ServiceQuality()</a:t>
-              </a:r>
-              <a:endParaRPr lang="fr-FR" sz="1600" dirty="0"/>
-            </a:p>
-          </p:txBody>
-        </p:sp>
-      </p:grpSp>
-      <p:grpSp>
-        <p:nvGrpSpPr>
-          <p:cNvPr id="46" name="Groupe 45">
-            <a:extLst>
-              <a:ext uri="{FF2B5EF4-FFF2-40B4-BE49-F238E27FC236}">
-                <a16:creationId xmlns:a16="http://schemas.microsoft.com/office/drawing/2014/main" id="{DF97A2C7-6E42-42B0-862F-E6C185286DB9}"/>
-              </a:ext>
-            </a:extLst>
-          </p:cNvPr>
-          <p:cNvGrpSpPr/>
-          <p:nvPr/>
-        </p:nvGrpSpPr>
-        <p:grpSpPr>
-          <a:xfrm>
-            <a:off x="9264884" y="3116844"/>
-            <a:ext cx="2375551" cy="1164345"/>
-            <a:chOff x="1311866" y="688335"/>
-            <a:chExt cx="1977985" cy="1164345"/>
-          </a:xfrm>
-        </p:grpSpPr>
-        <p:sp>
-          <p:nvSpPr>
-            <p:cNvPr id="47" name="Organigramme : Processus 69">
-              <a:extLst>
-                <a:ext uri="{FF2B5EF4-FFF2-40B4-BE49-F238E27FC236}">
-                  <a16:creationId xmlns:a16="http://schemas.microsoft.com/office/drawing/2014/main" id="{F3279541-84E2-4251-BE40-3D27BAF61660}"/>
-                </a:ext>
-              </a:extLst>
-            </p:cNvPr>
-            <p:cNvSpPr/>
-            <p:nvPr/>
-          </p:nvSpPr>
-          <p:spPr>
-            <a:xfrm>
-              <a:off x="1311866" y="1032415"/>
-              <a:ext cx="1977985" cy="406980"/>
-            </a:xfrm>
-            <a:prstGeom prst="flowChartProcess">
-              <a:avLst/>
-            </a:prstGeom>
-            <a:ln w="19050">
-              <a:solidFill>
-                <a:schemeClr val="accent1"/>
-              </a:solidFill>
-            </a:ln>
-          </p:spPr>
-          <p:style>
-            <a:lnRef idx="2">
-              <a:schemeClr val="accent6"/>
-            </a:lnRef>
-            <a:fillRef idx="1">
-              <a:schemeClr val="lt1"/>
-            </a:fillRef>
-            <a:effectRef idx="0">
-              <a:schemeClr val="accent6"/>
-            </a:effectRef>
-            <a:fontRef idx="minor">
-              <a:schemeClr val="dk1"/>
-            </a:fontRef>
-          </p:style>
-          <p:txBody>
-            <a:bodyPr rtlCol="0" anchor="ctr"/>
-            <a:lstStyle/>
-            <a:p>
-              <a:endParaRPr lang="fr-FR" sz="1600" dirty="0"/>
-            </a:p>
-          </p:txBody>
-        </p:sp>
-        <p:sp>
-          <p:nvSpPr>
-            <p:cNvPr id="48" name="Rectangle 47">
-              <a:extLst>
-                <a:ext uri="{FF2B5EF4-FFF2-40B4-BE49-F238E27FC236}">
-                  <a16:creationId xmlns:a16="http://schemas.microsoft.com/office/drawing/2014/main" id="{DFEB5320-1C38-4A34-867C-D91D03C96E53}"/>
-                </a:ext>
-              </a:extLst>
-            </p:cNvPr>
-            <p:cNvSpPr/>
-            <p:nvPr/>
-          </p:nvSpPr>
-          <p:spPr>
-            <a:xfrm>
-              <a:off x="1311866" y="688335"/>
-              <a:ext cx="1977985" cy="344079"/>
-            </a:xfrm>
-            <a:prstGeom prst="rect">
-              <a:avLst/>
-            </a:prstGeom>
-            <a:noFill/>
-            <a:ln w="19050">
-              <a:solidFill>
-                <a:schemeClr val="accent1"/>
-              </a:solidFill>
-            </a:ln>
-          </p:spPr>
-          <p:style>
-            <a:lnRef idx="2">
-              <a:schemeClr val="accent1">
-                <a:shade val="50000"/>
-              </a:schemeClr>
-            </a:lnRef>
-            <a:fillRef idx="1">
-              <a:schemeClr val="accent1"/>
-            </a:fillRef>
-            <a:effectRef idx="0">
-              <a:schemeClr val="accent1"/>
-            </a:effectRef>
-            <a:fontRef idx="minor">
-              <a:schemeClr val="lt1"/>
-            </a:fontRef>
-          </p:style>
-          <p:txBody>
-            <a:bodyPr rtlCol="0" anchor="ctr"/>
-            <a:lstStyle/>
-            <a:p>
-              <a:pPr algn="ctr"/>
-              <a:r>
-                <a:rPr lang="en-US" sz="1600" dirty="0">
-                  <a:solidFill>
-                    <a:sysClr val="windowText" lastClr="000000"/>
-                  </a:solidFill>
-                </a:rPr>
-                <a:t>SQualityRequest</a:t>
-              </a:r>
-            </a:p>
-          </p:txBody>
-        </p:sp>
-        <p:sp>
-          <p:nvSpPr>
-            <p:cNvPr id="49" name="Organigramme : Processus 69">
-              <a:extLst>
-                <a:ext uri="{FF2B5EF4-FFF2-40B4-BE49-F238E27FC236}">
-                  <a16:creationId xmlns:a16="http://schemas.microsoft.com/office/drawing/2014/main" id="{C824B129-81A3-40BA-8580-80866ECCEBFC}"/>
-                </a:ext>
-              </a:extLst>
-            </p:cNvPr>
-            <p:cNvSpPr/>
-            <p:nvPr/>
-          </p:nvSpPr>
-          <p:spPr>
-            <a:xfrm>
-              <a:off x="1311866" y="1439394"/>
-              <a:ext cx="1977985" cy="413286"/>
-            </a:xfrm>
-            <a:prstGeom prst="flowChartProcess">
-              <a:avLst/>
-            </a:prstGeom>
-            <a:ln w="19050">
-              <a:solidFill>
-                <a:schemeClr val="accent1"/>
-              </a:solidFill>
-            </a:ln>
-          </p:spPr>
-          <p:style>
-            <a:lnRef idx="2">
-              <a:schemeClr val="accent6"/>
-            </a:lnRef>
-            <a:fillRef idx="1">
-              <a:schemeClr val="lt1"/>
-            </a:fillRef>
-            <a:effectRef idx="0">
-              <a:schemeClr val="accent6"/>
-            </a:effectRef>
-            <a:fontRef idx="minor">
-              <a:schemeClr val="dk1"/>
-            </a:fontRef>
-          </p:style>
-          <p:txBody>
-            <a:bodyPr rtlCol="0" anchor="ctr"/>
-            <a:lstStyle/>
-            <a:p>
-              <a:pPr marL="285750" indent="-285750">
-                <a:buFontTx/>
-                <a:buChar char="-"/>
-              </a:pPr>
-              <a:r>
-                <a:rPr lang="fr-FR" sz="1600" dirty="0"/>
-                <a:t>New</a:t>
-              </a:r>
-              <a:r>
-                <a:rPr lang="en-US" sz="1600" dirty="0">
-                  <a:solidFill>
-                    <a:sysClr val="windowText" lastClr="000000"/>
-                  </a:solidFill>
-                </a:rPr>
-                <a:t>SQR()</a:t>
-              </a:r>
-              <a:endParaRPr lang="fr-FR" sz="1600" dirty="0"/>
-            </a:p>
-          </p:txBody>
-        </p:sp>
-      </p:grpSp>
       <p:cxnSp>
         <p:nvCxnSpPr>
-          <p:cNvPr id="50" name="Connecteur : en arc 26">
-            <a:extLst>
-              <a:ext uri="{FF2B5EF4-FFF2-40B4-BE49-F238E27FC236}">
-                <a16:creationId xmlns:a16="http://schemas.microsoft.com/office/drawing/2014/main" id="{C52F03B3-A42D-482D-8EB7-7CC8EA5B2F1F}"/>
-              </a:ext>
-            </a:extLst>
-          </p:cNvPr>
+          <p:cNvPr id="33" name="Connecteur en arc 32"/>
           <p:cNvCxnSpPr>
-            <a:cxnSpLocks/>
-            <a:stCxn id="3" idx="3"/>
-            <a:endCxn id="35" idx="1"/>
+            <a:stCxn id="16" idx="4"/>
+            <a:endCxn id="8" idx="0"/>
           </p:cNvCxnSpPr>
           <p:nvPr/>
         </p:nvCxnSpPr>
         <p:spPr>
-          <a:xfrm>
-            <a:off x="3238096" y="4602268"/>
-            <a:ext cx="638268" cy="779220"/>
+          <a:xfrm rot="16200000" flipH="1">
+            <a:off x="4875978" y="2088989"/>
+            <a:ext cx="1155179" cy="1720073"/>
           </a:xfrm>
           <a:prstGeom prst="curvedConnector3">
             <a:avLst>
               <a:gd name="adj1" fmla="val 50000"/>
             </a:avLst>
           </a:prstGeom>
-          <a:ln>
+          <a:ln w="19050">
+            <a:solidFill>
+              <a:schemeClr val="accent4">
+                <a:lumMod val="75000"/>
+              </a:schemeClr>
+            </a:solidFill>
             <a:tailEnd type="triangle"/>
           </a:ln>
         </p:spPr>
         <p:style>
-          <a:lnRef idx="1">
+          <a:lnRef idx="2">
             <a:schemeClr val="accent1"/>
           </a:lnRef>
           <a:fillRef idx="0">
             <a:schemeClr val="accent1"/>
           </a:fillRef>
-          <a:effectRef idx="0">
+          <a:effectRef idx="1">
             <a:schemeClr val="accent1"/>
           </a:effectRef>
           <a:fontRef idx="minor">
@@ -6355,247 +5274,60 @@
           </a:fontRef>
         </p:style>
       </p:cxnSp>
-      <p:grpSp>
-        <p:nvGrpSpPr>
-          <p:cNvPr id="51" name="Groupe 50">
-            <a:extLst>
-              <a:ext uri="{FF2B5EF4-FFF2-40B4-BE49-F238E27FC236}">
-                <a16:creationId xmlns:a16="http://schemas.microsoft.com/office/drawing/2014/main" id="{DF97A2C7-6E42-42B0-862F-E6C185286DB9}"/>
-              </a:ext>
-            </a:extLst>
-          </p:cNvPr>
-          <p:cNvGrpSpPr/>
-          <p:nvPr/>
-        </p:nvGrpSpPr>
-        <p:grpSpPr>
-          <a:xfrm>
-            <a:off x="9234795" y="4508703"/>
-            <a:ext cx="2375553" cy="1818492"/>
-            <a:chOff x="1311864" y="76153"/>
-            <a:chExt cx="1977987" cy="1818492"/>
-          </a:xfrm>
-        </p:grpSpPr>
-        <p:sp>
-          <p:nvSpPr>
-            <p:cNvPr id="52" name="Organigramme : Processus 69">
-              <a:extLst>
-                <a:ext uri="{FF2B5EF4-FFF2-40B4-BE49-F238E27FC236}">
-                  <a16:creationId xmlns:a16="http://schemas.microsoft.com/office/drawing/2014/main" id="{F3279541-84E2-4251-BE40-3D27BAF61660}"/>
-                </a:ext>
-              </a:extLst>
-            </p:cNvPr>
-            <p:cNvSpPr/>
-            <p:nvPr/>
-          </p:nvSpPr>
-          <p:spPr>
-            <a:xfrm>
-              <a:off x="1311866" y="420232"/>
-              <a:ext cx="1977985" cy="1061127"/>
-            </a:xfrm>
-            <a:prstGeom prst="flowChartProcess">
-              <a:avLst/>
-            </a:prstGeom>
-            <a:ln w="19050">
-              <a:solidFill>
-                <a:schemeClr val="accent1"/>
-              </a:solidFill>
-            </a:ln>
-          </p:spPr>
-          <p:style>
-            <a:lnRef idx="2">
-              <a:schemeClr val="accent6"/>
-            </a:lnRef>
-            <a:fillRef idx="1">
-              <a:schemeClr val="lt1"/>
-            </a:fillRef>
-            <a:effectRef idx="0">
-              <a:schemeClr val="accent6"/>
-            </a:effectRef>
-            <a:fontRef idx="minor">
-              <a:schemeClr val="dk1"/>
-            </a:fontRef>
-          </p:style>
-          <p:txBody>
-            <a:bodyPr rtlCol="0" anchor="ctr"/>
-            <a:lstStyle/>
-            <a:p>
-              <a:pPr marL="285750" indent="-285750">
-                <a:buFontTx/>
-                <a:buChar char="-"/>
-              </a:pPr>
-              <a:r>
-                <a:rPr lang="fr-FR" sz="1600" dirty="0"/>
-                <a:t>TName</a:t>
-              </a:r>
-            </a:p>
-            <a:p>
-              <a:pPr marL="285750" indent="-285750">
-                <a:buFontTx/>
-                <a:buChar char="-"/>
-              </a:pPr>
-              <a:r>
-                <a:rPr lang="fr-FR" sz="1600" dirty="0"/>
-                <a:t>IID</a:t>
-              </a:r>
-            </a:p>
-            <a:p>
-              <a:pPr marL="285750" indent="-285750">
-                <a:buFontTx/>
-                <a:buChar char="-"/>
-              </a:pPr>
-              <a:r>
-                <a:rPr lang="fr-FR" sz="1600" dirty="0"/>
-                <a:t>IP</a:t>
-              </a:r>
-            </a:p>
-            <a:p>
-              <a:pPr marL="285750" indent="-285750">
-                <a:buFontTx/>
-                <a:buChar char="-"/>
-              </a:pPr>
-              <a:r>
-                <a:rPr lang="fr-FR" sz="1600" dirty="0"/>
-                <a:t>*ServiceQuality</a:t>
-              </a:r>
-            </a:p>
-          </p:txBody>
-        </p:sp>
-        <p:sp>
-          <p:nvSpPr>
-            <p:cNvPr id="53" name="Rectangle 52">
-              <a:extLst>
-                <a:ext uri="{FF2B5EF4-FFF2-40B4-BE49-F238E27FC236}">
-                  <a16:creationId xmlns:a16="http://schemas.microsoft.com/office/drawing/2014/main" id="{DFEB5320-1C38-4A34-867C-D91D03C96E53}"/>
-                </a:ext>
-              </a:extLst>
-            </p:cNvPr>
-            <p:cNvSpPr/>
-            <p:nvPr/>
-          </p:nvSpPr>
-          <p:spPr>
-            <a:xfrm>
-              <a:off x="1311865" y="76153"/>
-              <a:ext cx="1977985" cy="344079"/>
-            </a:xfrm>
-            <a:prstGeom prst="rect">
-              <a:avLst/>
-            </a:prstGeom>
-            <a:noFill/>
-            <a:ln w="19050">
-              <a:solidFill>
-                <a:schemeClr val="accent1"/>
-              </a:solidFill>
-            </a:ln>
-          </p:spPr>
-          <p:style>
-            <a:lnRef idx="2">
-              <a:schemeClr val="accent1">
-                <a:shade val="50000"/>
-              </a:schemeClr>
-            </a:lnRef>
-            <a:fillRef idx="1">
-              <a:schemeClr val="accent1"/>
-            </a:fillRef>
-            <a:effectRef idx="0">
-              <a:schemeClr val="accent1"/>
-            </a:effectRef>
-            <a:fontRef idx="minor">
-              <a:schemeClr val="lt1"/>
-            </a:fontRef>
-          </p:style>
-          <p:txBody>
-            <a:bodyPr rtlCol="0" anchor="ctr"/>
-            <a:lstStyle/>
-            <a:p>
-              <a:pPr algn="ctr"/>
-              <a:r>
-                <a:rPr lang="en-US" sz="1600" dirty="0">
-                  <a:solidFill>
-                    <a:sysClr val="windowText" lastClr="000000"/>
-                  </a:solidFill>
-                </a:rPr>
-                <a:t>SQualityInfo</a:t>
-              </a:r>
-            </a:p>
-          </p:txBody>
-        </p:sp>
-        <p:sp>
-          <p:nvSpPr>
-            <p:cNvPr id="54" name="Organigramme : Processus 69">
-              <a:extLst>
-                <a:ext uri="{FF2B5EF4-FFF2-40B4-BE49-F238E27FC236}">
-                  <a16:creationId xmlns:a16="http://schemas.microsoft.com/office/drawing/2014/main" id="{C824B129-81A3-40BA-8580-80866ECCEBFC}"/>
-                </a:ext>
-              </a:extLst>
-            </p:cNvPr>
-            <p:cNvSpPr/>
-            <p:nvPr/>
-          </p:nvSpPr>
-          <p:spPr>
-            <a:xfrm>
-              <a:off x="1311864" y="1481359"/>
-              <a:ext cx="1977985" cy="413286"/>
-            </a:xfrm>
-            <a:prstGeom prst="flowChartProcess">
-              <a:avLst/>
-            </a:prstGeom>
-            <a:ln w="19050">
-              <a:solidFill>
-                <a:schemeClr val="accent1"/>
-              </a:solidFill>
-            </a:ln>
-          </p:spPr>
-          <p:style>
-            <a:lnRef idx="2">
-              <a:schemeClr val="accent6"/>
-            </a:lnRef>
-            <a:fillRef idx="1">
-              <a:schemeClr val="lt1"/>
-            </a:fillRef>
-            <a:effectRef idx="0">
-              <a:schemeClr val="accent6"/>
-            </a:effectRef>
-            <a:fontRef idx="minor">
-              <a:schemeClr val="dk1"/>
-            </a:fontRef>
-          </p:style>
-          <p:txBody>
-            <a:bodyPr rtlCol="0" anchor="ctr"/>
-            <a:lstStyle/>
-            <a:p>
-              <a:pPr marL="285750" indent="-285750">
-                <a:buFontTx/>
-                <a:buChar char="-"/>
-              </a:pPr>
-              <a:r>
-                <a:rPr lang="fr-FR" sz="1600" dirty="0"/>
-                <a:t>New</a:t>
-              </a:r>
-              <a:r>
-                <a:rPr lang="en-US" sz="1600" dirty="0">
-                  <a:solidFill>
-                    <a:sysClr val="windowText" lastClr="000000"/>
-                  </a:solidFill>
-                </a:rPr>
-                <a:t>SQI()</a:t>
-              </a:r>
-              <a:endParaRPr lang="fr-FR" sz="1600" dirty="0"/>
-            </a:p>
-          </p:txBody>
-        </p:sp>
-      </p:grpSp>
-      <p:sp>
-        <p:nvSpPr>
-          <p:cNvPr id="13" name="Rectangle 12"/>
+      <p:cxnSp>
+        <p:nvCxnSpPr>
+          <p:cNvPr id="60" name="Connecteur en arc 59"/>
+          <p:cNvCxnSpPr>
+            <a:stCxn id="79" idx="0"/>
+            <a:endCxn id="16" idx="0"/>
+          </p:cNvCxnSpPr>
+          <p:nvPr/>
+        </p:nvCxnSpPr>
+        <p:spPr>
+          <a:xfrm rot="16200000" flipV="1">
+            <a:off x="6283212" y="8506"/>
+            <a:ext cx="12700" cy="3379361"/>
+          </a:xfrm>
+          <a:prstGeom prst="curvedConnector3">
+            <a:avLst>
+              <a:gd name="adj1" fmla="val 2319575"/>
+            </a:avLst>
+          </a:prstGeom>
+          <a:ln w="19050">
+            <a:solidFill>
+              <a:srgbClr val="660066"/>
+            </a:solidFill>
+            <a:headEnd type="triangle" w="med" len="med"/>
+            <a:tailEnd type="triangle" w="med" len="med"/>
+          </a:ln>
+        </p:spPr>
+        <p:style>
+          <a:lnRef idx="1">
+            <a:schemeClr val="dk1"/>
+          </a:lnRef>
+          <a:fillRef idx="0">
+            <a:schemeClr val="dk1"/>
+          </a:fillRef>
+          <a:effectRef idx="0">
+            <a:schemeClr val="dk1"/>
+          </a:effectRef>
+          <a:fontRef idx="minor">
+            <a:schemeClr val="tx1"/>
+          </a:fontRef>
+        </p:style>
+      </p:cxnSp>
+      <p:sp>
+        <p:nvSpPr>
+          <p:cNvPr id="68" name="Ellipse 67"/>
           <p:cNvSpPr/>
           <p:nvPr/>
         </p:nvSpPr>
         <p:spPr>
           <a:xfrm>
-            <a:off x="444042" y="2959247"/>
-            <a:ext cx="11434105" cy="3595462"/>
-          </a:xfrm>
-          <a:prstGeom prst="rect">
+            <a:off x="4824167" y="2802204"/>
+            <a:ext cx="426895" cy="426895"/>
+          </a:xfrm>
+          <a:prstGeom prst="ellipse">
             <a:avLst/>
           </a:prstGeom>
           <a:noFill/>
@@ -6605,13 +5337,13 @@
         </p:spPr>
         <p:style>
           <a:lnRef idx="2">
-            <a:schemeClr val="accent2"/>
+            <a:schemeClr val="accent3"/>
           </a:lnRef>
           <a:fillRef idx="1">
             <a:schemeClr val="lt1"/>
           </a:fillRef>
           <a:effectRef idx="0">
-            <a:schemeClr val="accent2"/>
+            <a:schemeClr val="accent3"/>
           </a:effectRef>
           <a:fontRef idx="minor">
             <a:schemeClr val="dk1"/>
@@ -6622,41 +5354,41 @@
           <a:lstStyle/>
           <a:p>
             <a:pPr algn="ctr"/>
-            <a:endParaRPr lang="fr-FR"/>
-          </a:p>
-        </p:txBody>
-      </p:sp>
-      <p:sp>
-        <p:nvSpPr>
-          <p:cNvPr id="55" name="Rectangle 54"/>
+            <a:r>
+              <a:rPr lang="fr-FR" dirty="0"/>
+              <a:t>1</a:t>
+            </a:r>
+          </a:p>
+        </p:txBody>
+      </p:sp>
+      <p:sp>
+        <p:nvSpPr>
+          <p:cNvPr id="75" name="Ellipse 74"/>
           <p:cNvSpPr/>
           <p:nvPr/>
         </p:nvSpPr>
         <p:spPr>
           <a:xfrm>
-            <a:off x="3638338" y="246287"/>
-            <a:ext cx="5626546" cy="1687530"/>
-          </a:xfrm>
-          <a:prstGeom prst="rect">
+            <a:off x="7946006" y="3229470"/>
+            <a:ext cx="426895" cy="426895"/>
+          </a:xfrm>
+          <a:prstGeom prst="ellipse">
             <a:avLst/>
           </a:prstGeom>
           <a:noFill/>
           <a:ln w="19050">
-            <a:solidFill>
-              <a:srgbClr val="FF0000"/>
-            </a:solidFill>
             <a:prstDash val="lgDash"/>
           </a:ln>
         </p:spPr>
         <p:style>
           <a:lnRef idx="2">
-            <a:schemeClr val="accent2"/>
+            <a:schemeClr val="accent3"/>
           </a:lnRef>
           <a:fillRef idx="1">
             <a:schemeClr val="lt1"/>
           </a:fillRef>
           <a:effectRef idx="0">
-            <a:schemeClr val="accent2"/>
+            <a:schemeClr val="accent3"/>
           </a:effectRef>
           <a:fontRef idx="minor">
             <a:schemeClr val="dk1"/>
@@ -6667,41 +5399,41 @@
           <a:lstStyle/>
           <a:p>
             <a:pPr algn="ctr"/>
-            <a:endParaRPr lang="fr-FR"/>
-          </a:p>
-        </p:txBody>
-      </p:sp>
-      <p:sp>
-        <p:nvSpPr>
-          <p:cNvPr id="56" name="Rectangle 55"/>
+            <a:r>
+              <a:rPr lang="fr-FR" dirty="0"/>
+              <a:t>2</a:t>
+            </a:r>
+          </a:p>
+        </p:txBody>
+      </p:sp>
+      <p:sp>
+        <p:nvSpPr>
+          <p:cNvPr id="76" name="Ellipse 75"/>
           <p:cNvSpPr/>
           <p:nvPr/>
         </p:nvSpPr>
         <p:spPr>
           <a:xfrm>
-            <a:off x="334317" y="128860"/>
-            <a:ext cx="2651480" cy="2629553"/>
-          </a:xfrm>
-          <a:prstGeom prst="rect">
+            <a:off x="7500269" y="1191061"/>
+            <a:ext cx="426895" cy="426895"/>
+          </a:xfrm>
+          <a:prstGeom prst="ellipse">
             <a:avLst/>
           </a:prstGeom>
           <a:noFill/>
           <a:ln w="19050">
-            <a:solidFill>
-              <a:srgbClr val="FFC000"/>
-            </a:solidFill>
             <a:prstDash val="lgDash"/>
           </a:ln>
         </p:spPr>
         <p:style>
           <a:lnRef idx="2">
-            <a:schemeClr val="accent2"/>
+            <a:schemeClr val="accent3"/>
           </a:lnRef>
           <a:fillRef idx="1">
             <a:schemeClr val="lt1"/>
           </a:fillRef>
           <a:effectRef idx="0">
-            <a:schemeClr val="accent2"/>
+            <a:schemeClr val="accent3"/>
           </a:effectRef>
           <a:fontRef idx="minor">
             <a:schemeClr val="dk1"/>
@@ -6712,20 +5444,23 @@
           <a:lstStyle/>
           <a:p>
             <a:pPr algn="ctr"/>
-            <a:endParaRPr lang="fr-FR"/>
-          </a:p>
-        </p:txBody>
-      </p:sp>
-      <p:sp>
-        <p:nvSpPr>
-          <p:cNvPr id="14" name="ZoneTexte 13"/>
+            <a:r>
+              <a:rPr lang="fr-FR" dirty="0"/>
+              <a:t>3</a:t>
+            </a:r>
+          </a:p>
+        </p:txBody>
+      </p:sp>
+      <p:sp>
+        <p:nvSpPr>
+          <p:cNvPr id="94" name="ZoneTexte 93"/>
           <p:cNvSpPr txBox="1"/>
           <p:nvPr/>
         </p:nvSpPr>
         <p:spPr>
           <a:xfrm>
-            <a:off x="10422572" y="2474704"/>
-            <a:ext cx="1455575" cy="369332"/>
+            <a:off x="160256" y="169682"/>
+            <a:ext cx="1366886" cy="369332"/>
           </a:xfrm>
           <a:prstGeom prst="rect">
             <a:avLst/>
@@ -6739,294 +5474,322 @@
           <a:lstStyle/>
           <a:p>
             <a:r>
-              <a:rPr lang="fr-FR" dirty="0"/>
-              <a:t>pck rentities</a:t>
-            </a:r>
-          </a:p>
-        </p:txBody>
-      </p:sp>
-      <p:sp>
-        <p:nvSpPr>
-          <p:cNvPr id="57" name="ZoneTexte 56"/>
-          <p:cNvSpPr txBox="1"/>
-          <p:nvPr/>
-        </p:nvSpPr>
-        <p:spPr>
-          <a:xfrm>
-            <a:off x="8415240" y="1894300"/>
-            <a:ext cx="1026366" cy="369332"/>
-          </a:xfrm>
-          <a:prstGeom prst="rect">
-            <a:avLst/>
-          </a:prstGeom>
-          <a:noFill/>
-        </p:spPr>
-        <p:txBody>
-          <a:bodyPr wrap="square" rtlCol="0">
-            <a:spAutoFit/>
-          </a:bodyPr>
-          <a:lstStyle/>
-          <a:p>
-            <a:r>
-              <a:rPr lang="fr-FR" dirty="0">
-                <a:solidFill>
-                  <a:sysClr val="windowText" lastClr="000000"/>
-                </a:solidFill>
-              </a:rPr>
-              <a:t>pck com</a:t>
-            </a:r>
-          </a:p>
-        </p:txBody>
-      </p:sp>
-      <p:sp>
-        <p:nvSpPr>
-          <p:cNvPr id="58" name="ZoneTexte 57"/>
-          <p:cNvSpPr txBox="1"/>
-          <p:nvPr/>
-        </p:nvSpPr>
-        <p:spPr>
-          <a:xfrm>
-            <a:off x="2985797" y="2378653"/>
-            <a:ext cx="1455575" cy="369332"/>
-          </a:xfrm>
-          <a:prstGeom prst="rect">
-            <a:avLst/>
-          </a:prstGeom>
-          <a:noFill/>
-        </p:spPr>
-        <p:txBody>
-          <a:bodyPr wrap="square" rtlCol="0">
-            <a:spAutoFit/>
-          </a:bodyPr>
-          <a:lstStyle/>
-          <a:p>
-            <a:r>
-              <a:rPr lang="fr-FR" dirty="0">
-                <a:solidFill>
-                  <a:sysClr val="windowText" lastClr="000000"/>
-                </a:solidFill>
-              </a:rPr>
-              <a:t>pck registry</a:t>
+              <a:rPr lang="fr-FR" b="1" dirty="0"/>
+              <a:t>V0.0.1</a:t>
             </a:r>
           </a:p>
         </p:txBody>
       </p:sp>
       <p:cxnSp>
         <p:nvCxnSpPr>
-          <p:cNvPr id="11" name="Connecteur : en arc 10">
+          <p:cNvPr id="46" name="Connecteur en arc 32">
             <a:extLst>
               <a:ext uri="{FF2B5EF4-FFF2-40B4-BE49-F238E27FC236}">
-                <a16:creationId xmlns:a16="http://schemas.microsoft.com/office/drawing/2014/main" id="{5F2FA8AD-C515-4D02-B974-2AAF6EC37DA8}"/>
+                <a16:creationId xmlns:a16="http://schemas.microsoft.com/office/drawing/2014/main" xmlns="" id="{33A0F983-A334-4B0C-A864-2EB85A21ACEE}"/>
               </a:ext>
             </a:extLst>
           </p:cNvPr>
           <p:cNvCxnSpPr>
             <a:cxnSpLocks/>
-            <a:stCxn id="48" idx="1"/>
-            <a:endCxn id="39" idx="3"/>
+            <a:stCxn id="9" idx="3"/>
+            <a:endCxn id="79" idx="5"/>
           </p:cNvCxnSpPr>
           <p:nvPr/>
         </p:nvCxnSpPr>
         <p:spPr>
-          <a:xfrm rot="10800000" flipV="1">
-            <a:off x="6272908" y="3288883"/>
-            <a:ext cx="2991977" cy="144337"/>
-          </a:xfrm>
-          <a:prstGeom prst="curvedConnector3">
+          <a:xfrm flipV="1">
+            <a:off x="7376145" y="2272842"/>
+            <a:ext cx="1102038" cy="1454317"/>
+          </a:xfrm>
+          <a:prstGeom prst="curvedConnector2">
             <a:avLst/>
           </a:prstGeom>
-          <a:ln>
-            <a:tailEnd type="triangle"/>
+          <a:ln w="19050">
+            <a:solidFill>
+              <a:schemeClr val="accent2">
+                <a:lumMod val="75000"/>
+              </a:schemeClr>
+            </a:solidFill>
+            <a:headEnd type="stealth" w="med" len="med"/>
+            <a:tailEnd type="triangle" w="med" len="med"/>
           </a:ln>
         </p:spPr>
         <p:style>
-          <a:lnRef idx="1">
+          <a:lnRef idx="2">
+            <a:schemeClr val="accent2"/>
+          </a:lnRef>
+          <a:fillRef idx="0">
+            <a:schemeClr val="accent2"/>
+          </a:fillRef>
+          <a:effectRef idx="1">
+            <a:schemeClr val="accent2"/>
+          </a:effectRef>
+          <a:fontRef idx="minor">
+            <a:schemeClr val="tx1"/>
+          </a:fontRef>
+        </p:style>
+      </p:cxnSp>
+      <p:sp>
+        <p:nvSpPr>
+          <p:cNvPr id="72" name="Ellipse 71"/>
+          <p:cNvSpPr/>
+          <p:nvPr/>
+        </p:nvSpPr>
+        <p:spPr>
+          <a:xfrm>
+            <a:off x="5584419" y="1698609"/>
+            <a:ext cx="1429179" cy="673250"/>
+          </a:xfrm>
+          <a:prstGeom prst="ellipse">
+            <a:avLst/>
+          </a:prstGeom>
+          <a:ln w="19050"/>
+        </p:spPr>
+        <p:style>
+          <a:lnRef idx="2">
             <a:schemeClr val="accent1"/>
           </a:lnRef>
-          <a:fillRef idx="0">
+          <a:fillRef idx="1">
+            <a:schemeClr val="lt1"/>
+          </a:fillRef>
+          <a:effectRef idx="0">
+            <a:schemeClr val="accent1"/>
+          </a:effectRef>
+          <a:fontRef idx="minor">
+            <a:schemeClr val="dk1"/>
+          </a:fontRef>
+        </p:style>
+        <p:txBody>
+          <a:bodyPr rtlCol="0" anchor="ctr"/>
+          <a:lstStyle/>
+          <a:p>
+            <a:pPr algn="ctr"/>
+            <a:r>
+              <a:rPr lang="fr-FR" sz="1600" dirty="0" smtClean="0"/>
+              <a:t>Auth2</a:t>
+            </a:r>
+            <a:endParaRPr lang="fr-FR" sz="1600" dirty="0"/>
+          </a:p>
+        </p:txBody>
+      </p:sp>
+      <p:sp>
+        <p:nvSpPr>
+          <p:cNvPr id="79" name="Ellipse 78"/>
+          <p:cNvSpPr/>
+          <p:nvPr/>
+        </p:nvSpPr>
+        <p:spPr>
+          <a:xfrm>
+            <a:off x="7258302" y="1698187"/>
+            <a:ext cx="1429179" cy="673250"/>
+          </a:xfrm>
+          <a:prstGeom prst="ellipse">
+            <a:avLst/>
+          </a:prstGeom>
+          <a:ln w="19050"/>
+        </p:spPr>
+        <p:style>
+          <a:lnRef idx="2">
+            <a:schemeClr val="accent1"/>
+          </a:lnRef>
+          <a:fillRef idx="1">
+            <a:schemeClr val="lt1"/>
+          </a:fillRef>
+          <a:effectRef idx="0">
+            <a:schemeClr val="accent1"/>
+          </a:effectRef>
+          <a:fontRef idx="minor">
+            <a:schemeClr val="dk1"/>
+          </a:fontRef>
+        </p:style>
+        <p:txBody>
+          <a:bodyPr rtlCol="0" anchor="ctr"/>
+          <a:lstStyle/>
+          <a:p>
+            <a:pPr algn="ctr"/>
+            <a:r>
+              <a:rPr lang="fr-FR" sz="1600" dirty="0" smtClean="0"/>
+              <a:t>User 1</a:t>
+            </a:r>
+            <a:endParaRPr lang="fr-FR" sz="1600" dirty="0"/>
+          </a:p>
+        </p:txBody>
+      </p:sp>
+      <p:sp>
+        <p:nvSpPr>
+          <p:cNvPr id="54" name="ZoneTexte 53"/>
+          <p:cNvSpPr txBox="1"/>
+          <p:nvPr/>
+        </p:nvSpPr>
+        <p:spPr>
+          <a:xfrm>
+            <a:off x="3797915" y="2744991"/>
+            <a:ext cx="1160331" cy="738664"/>
+          </a:xfrm>
+          <a:prstGeom prst="rect">
+            <a:avLst/>
+          </a:prstGeom>
+          <a:noFill/>
+        </p:spPr>
+        <p:txBody>
+          <a:bodyPr wrap="square" rtlCol="0">
+            <a:spAutoFit/>
+          </a:bodyPr>
+          <a:lstStyle/>
+          <a:p>
+            <a:pPr marL="285750" indent="-285750">
+              <a:buFont typeface="Arial" panose="020B0604020202020204" pitchFamily="34" charset="0"/>
+              <a:buChar char="•"/>
+            </a:pPr>
+            <a:r>
+              <a:rPr lang="en-GB" sz="1400" dirty="0" smtClean="0"/>
+              <a:t>register</a:t>
+            </a:r>
+          </a:p>
+          <a:p>
+            <a:pPr marL="285750" indent="-285750">
+              <a:buFont typeface="Arial" panose="020B0604020202020204" pitchFamily="34" charset="0"/>
+              <a:buChar char="•"/>
+            </a:pPr>
+            <a:r>
+              <a:rPr lang="fr-FR" sz="1400" dirty="0" smtClean="0"/>
+              <a:t>update</a:t>
+            </a:r>
+          </a:p>
+          <a:p>
+            <a:pPr marL="285750" indent="-285750">
+              <a:buFont typeface="Arial" panose="020B0604020202020204" pitchFamily="34" charset="0"/>
+              <a:buChar char="•"/>
+            </a:pPr>
+            <a:r>
+              <a:rPr lang="fr-FR" sz="1400" dirty="0" smtClean="0"/>
+              <a:t>cancel</a:t>
+            </a:r>
+            <a:endParaRPr lang="fr-FR" sz="1400" dirty="0"/>
+          </a:p>
+        </p:txBody>
+      </p:sp>
+      <p:sp>
+        <p:nvSpPr>
+          <p:cNvPr id="59" name="ZoneTexte 58"/>
+          <p:cNvSpPr txBox="1"/>
+          <p:nvPr/>
+        </p:nvSpPr>
+        <p:spPr>
+          <a:xfrm>
+            <a:off x="7946006" y="3708552"/>
+            <a:ext cx="1482949" cy="307777"/>
+          </a:xfrm>
+          <a:prstGeom prst="rect">
+            <a:avLst/>
+          </a:prstGeom>
+          <a:noFill/>
+        </p:spPr>
+        <p:txBody>
+          <a:bodyPr wrap="square" rtlCol="0">
+            <a:spAutoFit/>
+          </a:bodyPr>
+          <a:lstStyle/>
+          <a:p>
+            <a:r>
+              <a:rPr lang="en-US" sz="1400" dirty="0"/>
+              <a:t>a</a:t>
+            </a:r>
+            <a:r>
+              <a:rPr lang="en-US" sz="1400" dirty="0" smtClean="0"/>
+              <a:t>sk information</a:t>
+            </a:r>
+            <a:endParaRPr lang="en-US" sz="1400" dirty="0"/>
+          </a:p>
+        </p:txBody>
+      </p:sp>
+      <p:sp>
+        <p:nvSpPr>
+          <p:cNvPr id="97" name="Rectangle 96"/>
+          <p:cNvSpPr/>
+          <p:nvPr/>
+        </p:nvSpPr>
+        <p:spPr>
+          <a:xfrm>
+            <a:off x="6339835" y="4892161"/>
+            <a:ext cx="932508" cy="561294"/>
+          </a:xfrm>
+          <a:prstGeom prst="rect">
+            <a:avLst/>
+          </a:prstGeom>
+          <a:noFill/>
+          <a:ln w="19050">
+            <a:solidFill>
+              <a:schemeClr val="accent6"/>
+            </a:solidFill>
+          </a:ln>
+        </p:spPr>
+        <p:style>
+          <a:lnRef idx="2">
+            <a:schemeClr val="accent1">
+              <a:shade val="50000"/>
+            </a:schemeClr>
+          </a:lnRef>
+          <a:fillRef idx="1">
             <a:schemeClr val="accent1"/>
           </a:fillRef>
           <a:effectRef idx="0">
             <a:schemeClr val="accent1"/>
           </a:effectRef>
           <a:fontRef idx="minor">
-            <a:schemeClr val="tx1"/>
+            <a:schemeClr val="lt1"/>
           </a:fontRef>
         </p:style>
-      </p:cxnSp>
-      <p:grpSp>
-        <p:nvGrpSpPr>
-          <p:cNvPr id="59" name="Groupe 58">
-            <a:extLst>
-              <a:ext uri="{FF2B5EF4-FFF2-40B4-BE49-F238E27FC236}">
-                <a16:creationId xmlns:a16="http://schemas.microsoft.com/office/drawing/2014/main" id="{4AEEB351-6E02-49D6-903E-4A062D7296CC}"/>
-              </a:ext>
-            </a:extLst>
-          </p:cNvPr>
-          <p:cNvGrpSpPr/>
-          <p:nvPr/>
-        </p:nvGrpSpPr>
-        <p:grpSpPr>
-          <a:xfrm>
-            <a:off x="3941781" y="680891"/>
-            <a:ext cx="2027684" cy="981965"/>
-            <a:chOff x="1311866" y="688335"/>
-            <a:chExt cx="1977985" cy="981965"/>
-          </a:xfrm>
-        </p:grpSpPr>
-        <p:sp>
-          <p:nvSpPr>
-            <p:cNvPr id="61" name="Rectangle 60">
-              <a:extLst>
-                <a:ext uri="{FF2B5EF4-FFF2-40B4-BE49-F238E27FC236}">
-                  <a16:creationId xmlns:a16="http://schemas.microsoft.com/office/drawing/2014/main" id="{C9246AA4-5814-4957-B62B-406DCFA28B6D}"/>
-                </a:ext>
-              </a:extLst>
-            </p:cNvPr>
-            <p:cNvSpPr/>
-            <p:nvPr/>
-          </p:nvSpPr>
-          <p:spPr>
-            <a:xfrm>
-              <a:off x="1311866" y="688335"/>
-              <a:ext cx="1977985" cy="344079"/>
-            </a:xfrm>
-            <a:prstGeom prst="rect">
-              <a:avLst/>
-            </a:prstGeom>
-            <a:noFill/>
-            <a:ln w="19050">
+        <p:txBody>
+          <a:bodyPr rtlCol="0" anchor="ctr"/>
+          <a:lstStyle/>
+          <a:p>
+            <a:pPr algn="ctr"/>
+            <a:r>
+              <a:rPr lang="fr-FR" sz="1200" dirty="0" smtClean="0">
+                <a:solidFill>
+                  <a:schemeClr val="tx1"/>
+                </a:solidFill>
+              </a:rPr>
+              <a:t>User1</a:t>
+            </a:r>
+            <a:r>
+              <a:rPr lang="fr-FR" sz="1200" dirty="0">
+                <a:solidFill>
+                  <a:schemeClr val="tx1"/>
+                </a:solidFill>
+              </a:rPr>
+              <a:t>…</a:t>
+            </a:r>
+          </a:p>
+          <a:p>
+            <a:pPr algn="ctr"/>
+            <a:r>
+              <a:rPr lang="fr-FR" sz="1200" dirty="0" smtClean="0">
+                <a:solidFill>
+                  <a:schemeClr val="tx1"/>
+                </a:solidFill>
+              </a:rPr>
+              <a:t>User2…</a:t>
+            </a:r>
+            <a:endParaRPr lang="fr-FR" sz="1200" dirty="0">
               <a:solidFill>
-                <a:schemeClr val="accent1"/>
+                <a:schemeClr val="tx1"/>
               </a:solidFill>
-            </a:ln>
-          </p:spPr>
-          <p:style>
-            <a:lnRef idx="2">
-              <a:schemeClr val="accent1">
-                <a:shade val="50000"/>
-              </a:schemeClr>
-            </a:lnRef>
-            <a:fillRef idx="1">
-              <a:schemeClr val="accent1"/>
-            </a:fillRef>
-            <a:effectRef idx="0">
-              <a:schemeClr val="accent1"/>
-            </a:effectRef>
-            <a:fontRef idx="minor">
-              <a:schemeClr val="lt1"/>
-            </a:fontRef>
-          </p:style>
-          <p:txBody>
-            <a:bodyPr rtlCol="0" anchor="ctr"/>
-            <a:lstStyle/>
-            <a:p>
-              <a:pPr algn="ctr"/>
-              <a:r>
-                <a:rPr lang="en-US" sz="1600" dirty="0">
-                  <a:solidFill>
-                    <a:sysClr val="windowText" lastClr="000000"/>
-                  </a:solidFill>
-                </a:rPr>
-                <a:t>Server</a:t>
-              </a:r>
-            </a:p>
-          </p:txBody>
-        </p:sp>
-        <p:sp>
-          <p:nvSpPr>
-            <p:cNvPr id="62" name="Organigramme : Processus 69">
-              <a:extLst>
-                <a:ext uri="{FF2B5EF4-FFF2-40B4-BE49-F238E27FC236}">
-                  <a16:creationId xmlns:a16="http://schemas.microsoft.com/office/drawing/2014/main" id="{17AE18BD-3CFA-44CC-9F01-22A75DB06785}"/>
-                </a:ext>
-              </a:extLst>
-            </p:cNvPr>
-            <p:cNvSpPr/>
-            <p:nvPr/>
-          </p:nvSpPr>
-          <p:spPr>
-            <a:xfrm>
-              <a:off x="1311866" y="1027949"/>
-              <a:ext cx="1977985" cy="642351"/>
-            </a:xfrm>
-            <a:prstGeom prst="flowChartProcess">
-              <a:avLst/>
-            </a:prstGeom>
-            <a:ln w="19050">
-              <a:solidFill>
-                <a:schemeClr val="accent1"/>
-              </a:solidFill>
-            </a:ln>
-          </p:spPr>
-          <p:style>
-            <a:lnRef idx="2">
-              <a:schemeClr val="accent6"/>
-            </a:lnRef>
-            <a:fillRef idx="1">
-              <a:schemeClr val="lt1"/>
-            </a:fillRef>
-            <a:effectRef idx="0">
-              <a:schemeClr val="accent6"/>
-            </a:effectRef>
-            <a:fontRef idx="minor">
-              <a:schemeClr val="dk1"/>
-            </a:fontRef>
-          </p:style>
-          <p:txBody>
-            <a:bodyPr rtlCol="0" anchor="ctr"/>
-            <a:lstStyle/>
-            <a:p>
-              <a:pPr marL="285750" indent="-285750">
-                <a:buFontTx/>
-                <a:buChar char="-"/>
-              </a:pPr>
-              <a:r>
-                <a:rPr lang="fr-FR" sz="1600" dirty="0"/>
-                <a:t>NewServer(</a:t>
-              </a:r>
-              <a:r>
-                <a:rPr lang="fr-FR" sz="1600" dirty="0" err="1"/>
-                <a:t>t,p</a:t>
-              </a:r>
-              <a:r>
-                <a:rPr lang="fr-FR" sz="1600" dirty="0"/>
-                <a:t>)</a:t>
-              </a:r>
-            </a:p>
-            <a:p>
-              <a:pPr marL="285750" indent="-285750">
-                <a:buFontTx/>
-                <a:buChar char="-"/>
-              </a:pPr>
-              <a:r>
-                <a:rPr lang="fr-FR" sz="1600" dirty="0" err="1"/>
-                <a:t>NewConnection</a:t>
-              </a:r>
-              <a:r>
-                <a:rPr lang="fr-FR" sz="1600" dirty="0"/>
-                <a:t>()</a:t>
-              </a:r>
-            </a:p>
-          </p:txBody>
-        </p:sp>
-      </p:grpSp>
-      <p:sp>
-        <p:nvSpPr>
-          <p:cNvPr id="63" name="ZoneTexte 62">
-            <a:extLst>
-              <a:ext uri="{FF2B5EF4-FFF2-40B4-BE49-F238E27FC236}">
-                <a16:creationId xmlns:a16="http://schemas.microsoft.com/office/drawing/2014/main" id="{4B71340A-F863-49C3-AD89-E8B6D2E0D422}"/>
-              </a:ext>
-            </a:extLst>
-          </p:cNvPr>
+            </a:endParaRPr>
+          </a:p>
+        </p:txBody>
+      </p:sp>
+      <p:sp>
+        <p:nvSpPr>
+          <p:cNvPr id="98" name="ZoneTexte 97"/>
           <p:cNvSpPr txBox="1"/>
           <p:nvPr/>
         </p:nvSpPr>
         <p:spPr>
           <a:xfrm>
-            <a:off x="4109224" y="295301"/>
-            <a:ext cx="1692798" cy="369332"/>
+            <a:off x="6253827" y="4584384"/>
+            <a:ext cx="1104523" cy="307777"/>
           </a:xfrm>
           <a:prstGeom prst="rect">
             <a:avLst/>
@@ -7041,65 +5804,193 @@
           <a:p>
             <a:pPr algn="ctr"/>
             <a:r>
-              <a:rPr lang="fr-FR" dirty="0">
-                <a:solidFill>
-                  <a:sysClr val="windowText" lastClr="000000"/>
-                </a:solidFill>
-              </a:rPr>
-              <a:t>&lt;&lt;Interface&gt;&gt;</a:t>
+              <a:rPr lang="fr-FR" sz="1400" dirty="0"/>
+              <a:t>Service </a:t>
+            </a:r>
+            <a:r>
+              <a:rPr lang="fr-FR" sz="1400" dirty="0" smtClean="0"/>
+              <a:t>User</a:t>
+            </a:r>
+            <a:endParaRPr lang="fr-FR" sz="1400" dirty="0"/>
+          </a:p>
+        </p:txBody>
+      </p:sp>
+      <p:sp>
+        <p:nvSpPr>
+          <p:cNvPr id="99" name="ZoneTexte 98"/>
+          <p:cNvSpPr txBox="1"/>
+          <p:nvPr/>
+        </p:nvSpPr>
+        <p:spPr>
+          <a:xfrm>
+            <a:off x="6508079" y="4166205"/>
+            <a:ext cx="793925" cy="369332"/>
+          </a:xfrm>
+          <a:prstGeom prst="rect">
+            <a:avLst/>
+          </a:prstGeom>
+          <a:noFill/>
+        </p:spPr>
+        <p:txBody>
+          <a:bodyPr wrap="square" rtlCol="0">
+            <a:spAutoFit/>
+          </a:bodyPr>
+          <a:lstStyle/>
+          <a:p>
+            <a:r>
+              <a:rPr lang="fr-FR" dirty="0"/>
+              <a:t>……</a:t>
+            </a:r>
+          </a:p>
+        </p:txBody>
+      </p:sp>
+      <p:sp>
+        <p:nvSpPr>
+          <p:cNvPr id="100" name="ZoneTexte 99"/>
+          <p:cNvSpPr txBox="1"/>
+          <p:nvPr/>
+        </p:nvSpPr>
+        <p:spPr>
+          <a:xfrm>
+            <a:off x="5545910" y="4938683"/>
+            <a:ext cx="793925" cy="369332"/>
+          </a:xfrm>
+          <a:prstGeom prst="rect">
+            <a:avLst/>
+          </a:prstGeom>
+          <a:noFill/>
+        </p:spPr>
+        <p:txBody>
+          <a:bodyPr wrap="square" rtlCol="0">
+            <a:spAutoFit/>
+          </a:bodyPr>
+          <a:lstStyle/>
+          <a:p>
+            <a:r>
+              <a:rPr lang="fr-FR" dirty="0"/>
+              <a:t>……</a:t>
             </a:r>
           </a:p>
         </p:txBody>
       </p:sp>
       <p:cxnSp>
         <p:nvCxnSpPr>
-          <p:cNvPr id="64" name="Connecteur : en arc 63">
-            <a:extLst>
-              <a:ext uri="{FF2B5EF4-FFF2-40B4-BE49-F238E27FC236}">
-                <a16:creationId xmlns:a16="http://schemas.microsoft.com/office/drawing/2014/main" id="{77C02E4F-93D2-4204-A127-45791E5B4199}"/>
-              </a:ext>
-            </a:extLst>
-          </p:cNvPr>
+          <p:cNvPr id="101" name="Connecteur en arc 100"/>
           <p:cNvCxnSpPr>
-            <a:cxnSpLocks/>
-            <a:stCxn id="61" idx="3"/>
-            <a:endCxn id="17" idx="1"/>
+            <a:stCxn id="72" idx="2"/>
+            <a:endCxn id="16" idx="6"/>
           </p:cNvCxnSpPr>
           <p:nvPr/>
         </p:nvCxnSpPr>
         <p:spPr>
-          <a:xfrm flipV="1">
-            <a:off x="5969465" y="688711"/>
-            <a:ext cx="550146" cy="164220"/>
+          <a:xfrm rot="10800000">
+            <a:off x="5308121" y="2034812"/>
+            <a:ext cx="276299" cy="422"/>
           </a:xfrm>
           <a:prstGeom prst="curvedConnector3">
             <a:avLst>
               <a:gd name="adj1" fmla="val 50000"/>
             </a:avLst>
           </a:prstGeom>
-          <a:ln>
-            <a:tailEnd type="triangle"/>
+          <a:ln w="19050">
+            <a:solidFill>
+              <a:srgbClr val="660066"/>
+            </a:solidFill>
+            <a:headEnd type="triangle" w="med" len="med"/>
+            <a:tailEnd type="triangle" w="med" len="med"/>
           </a:ln>
         </p:spPr>
         <p:style>
           <a:lnRef idx="1">
-            <a:schemeClr val="accent1"/>
+            <a:schemeClr val="dk1"/>
           </a:lnRef>
           <a:fillRef idx="0">
-            <a:schemeClr val="accent1"/>
+            <a:schemeClr val="dk1"/>
           </a:fillRef>
           <a:effectRef idx="0">
-            <a:schemeClr val="accent1"/>
+            <a:schemeClr val="dk1"/>
           </a:effectRef>
           <a:fontRef idx="minor">
             <a:schemeClr val="tx1"/>
           </a:fontRef>
         </p:style>
       </p:cxnSp>
+      <p:cxnSp>
+        <p:nvCxnSpPr>
+          <p:cNvPr id="102" name="Connecteur en arc 101"/>
+          <p:cNvCxnSpPr>
+            <a:stCxn id="79" idx="2"/>
+            <a:endCxn id="72" idx="6"/>
+          </p:cNvCxnSpPr>
+          <p:nvPr/>
+        </p:nvCxnSpPr>
+        <p:spPr>
+          <a:xfrm rot="10800000" flipV="1">
+            <a:off x="7013598" y="2034812"/>
+            <a:ext cx="244704" cy="422"/>
+          </a:xfrm>
+          <a:prstGeom prst="curvedConnector3">
+            <a:avLst>
+              <a:gd name="adj1" fmla="val 50000"/>
+            </a:avLst>
+          </a:prstGeom>
+          <a:ln w="19050">
+            <a:solidFill>
+              <a:srgbClr val="660066"/>
+            </a:solidFill>
+            <a:headEnd type="triangle" w="med" len="med"/>
+            <a:tailEnd type="triangle" w="med" len="med"/>
+          </a:ln>
+        </p:spPr>
+        <p:style>
+          <a:lnRef idx="1">
+            <a:schemeClr val="dk1"/>
+          </a:lnRef>
+          <a:fillRef idx="0">
+            <a:schemeClr val="dk1"/>
+          </a:fillRef>
+          <a:effectRef idx="0">
+            <a:schemeClr val="dk1"/>
+          </a:effectRef>
+          <a:fontRef idx="minor">
+            <a:schemeClr val="tx1"/>
+          </a:fontRef>
+        </p:style>
+      </p:cxnSp>
+      <p:sp>
+        <p:nvSpPr>
+          <p:cNvPr id="104" name="ZoneTexte 103"/>
+          <p:cNvSpPr txBox="1"/>
+          <p:nvPr/>
+        </p:nvSpPr>
+        <p:spPr>
+          <a:xfrm>
+            <a:off x="7927164" y="1301951"/>
+            <a:ext cx="1482949" cy="307777"/>
+          </a:xfrm>
+          <a:prstGeom prst="rect">
+            <a:avLst/>
+          </a:prstGeom>
+          <a:noFill/>
+        </p:spPr>
+        <p:txBody>
+          <a:bodyPr wrap="square" rtlCol="0">
+            <a:spAutoFit/>
+          </a:bodyPr>
+          <a:lstStyle/>
+          <a:p>
+            <a:r>
+              <a:rPr lang="fr-FR" sz="1400" dirty="0" smtClean="0"/>
+              <a:t>Remote Call</a:t>
+            </a:r>
+            <a:endParaRPr lang="fr-FR" sz="1400" dirty="0"/>
+          </a:p>
+        </p:txBody>
+      </p:sp>
     </p:spTree>
     <p:extLst>
       <p:ext uri="{BB962C8B-B14F-4D97-AF65-F5344CB8AC3E}">
-        <p14:creationId xmlns:p14="http://schemas.microsoft.com/office/powerpoint/2010/main" val="4242566444"/>
+        <p14:creationId xmlns:p14="http://schemas.microsoft.com/office/powerpoint/2010/main" val="2066274381"/>
       </p:ext>
     </p:extLst>
   </p:cSld>
